--- a/Final/HybridModel_3470_Presentation.pptx
+++ b/Final/HybridModel_3470_Presentation.pptx
@@ -309,7 +309,7 @@
           <a:p>
             <a:fld id="{F5597993-FE1E-4023-B9F0-77351815C1CA}" type="datetimeFigureOut">
               <a:rPr lang="en-GB" smtClean="0"/>
-              <a:t>27/06/2022</a:t>
+              <a:t>09/07/2022</a:t>
             </a:fld>
             <a:endParaRPr lang="en-GB"/>
           </a:p>
@@ -1003,7 +1003,7 @@
           <a:p>
             <a:r>
               <a:rPr lang="en-US" dirty="0"/>
-              <a:t>Coefficient of variation;</a:t>
+              <a:t>1. Coefficient of variation; The ASHRAE Guideline 14, hourly should be below 30%</a:t>
             </a:r>
           </a:p>
           <a:p>
@@ -1026,30 +1026,7 @@
             </a:pPr>
             <a:r>
               <a:rPr lang="en-US" dirty="0"/>
-              <a:t>The ASHRAE Guideline 14, hourly should be below 30%</a:t>
-            </a:r>
-          </a:p>
-          <a:p>
-            <a:pPr marL="0" marR="0" lvl="0" indent="0" algn="l" defTabSz="914400" rtl="0" eaLnBrk="0" fontAlgn="base" latinLnBrk="0" hangingPunct="0">
-              <a:lnSpc>
-                <a:spcPct val="100000"/>
-              </a:lnSpc>
-              <a:spcBef>
-                <a:spcPct val="30000"/>
-              </a:spcBef>
-              <a:spcAft>
-                <a:spcPct val="0"/>
-              </a:spcAft>
-              <a:buClrTx/>
-              <a:buSzTx/>
-              <a:buFontTx/>
-              <a:buNone/>
-              <a:tabLst/>
-              <a:defRPr/>
-            </a:pPr>
-            <a:r>
-              <a:rPr lang="en-US" dirty="0"/>
-              <a:t>MAPE ()</a:t>
+              <a:t>2. MAPE (absolute energy consumption)</a:t>
             </a:r>
           </a:p>
           <a:p>
@@ -1151,19 +1128,7 @@
           <a:p>
             <a:r>
               <a:rPr lang="en-US" sz="1050" dirty="0"/>
-              <a:t>RC, GGMR, Hybrid</a:t>
-            </a:r>
-          </a:p>
-          <a:p>
-            <a:r>
-              <a:rPr lang="en-US" sz="1050" dirty="0"/>
-              <a:t>Performance difference is not obvious. Hourly</a:t>
-            </a:r>
-          </a:p>
-          <a:p>
-            <a:r>
-              <a:rPr lang="en-US" sz="1050" dirty="0"/>
-              <a:t>GGMR doesn’t perform well than the other two. </a:t>
+              <a:t>RC, GGMR (No RC prediction), Hybrid (With RC prediction available)</a:t>
             </a:r>
           </a:p>
           <a:p>
@@ -1263,7 +1228,10 @@
           <a:bodyPr/>
           <a:lstStyle/>
           <a:p>
-            <a:endParaRPr lang="en-US" dirty="0"/>
+            <a:r>
+              <a:rPr lang="en-US" dirty="0"/>
+              <a:t>6.43 CVRMSE (Much lower than 30%)</a:t>
+            </a:r>
           </a:p>
         </p:txBody>
       </p:sp>
@@ -1300,6 +1268,233 @@
     <p:extLst>
       <p:ext uri="{BB962C8B-B14F-4D97-AF65-F5344CB8AC3E}">
         <p14:creationId xmlns:p14="http://schemas.microsoft.com/office/powerpoint/2010/main" val="2661876489"/>
+      </p:ext>
+    </p:extLst>
+  </p:cSld>
+  <p:clrMapOvr>
+    <a:masterClrMapping/>
+  </p:clrMapOvr>
+</p:notes>
+</file>
+
+<file path=ppt/notesSlides/notesSlide13.xml><?xml version="1.0" encoding="utf-8"?>
+<p:notes xmlns:a="http://schemas.openxmlformats.org/drawingml/2006/main" xmlns:r="http://schemas.openxmlformats.org/officeDocument/2006/relationships" xmlns:p="http://schemas.openxmlformats.org/presentationml/2006/main">
+  <p:cSld>
+    <p:spTree>
+      <p:nvGrpSpPr>
+        <p:cNvPr id="1" name=""/>
+        <p:cNvGrpSpPr/>
+        <p:nvPr/>
+      </p:nvGrpSpPr>
+      <p:grpSpPr>
+        <a:xfrm>
+          <a:off x="0" y="0"/>
+          <a:ext cx="0" cy="0"/>
+          <a:chOff x="0" y="0"/>
+          <a:chExt cx="0" cy="0"/>
+        </a:xfrm>
+      </p:grpSpPr>
+      <p:sp>
+        <p:nvSpPr>
+          <p:cNvPr id="2" name="Slide Image Placeholder 1"/>
+          <p:cNvSpPr>
+            <a:spLocks noGrp="1" noRot="1" noChangeAspect="1"/>
+          </p:cNvSpPr>
+          <p:nvPr>
+            <p:ph type="sldImg"/>
+          </p:nvPr>
+        </p:nvSpPr>
+        <p:spPr/>
+      </p:sp>
+      <p:sp>
+        <p:nvSpPr>
+          <p:cNvPr id="3" name="Notes Placeholder 2"/>
+          <p:cNvSpPr>
+            <a:spLocks noGrp="1"/>
+          </p:cNvSpPr>
+          <p:nvPr>
+            <p:ph type="body" idx="1"/>
+          </p:nvPr>
+        </p:nvSpPr>
+        <p:spPr/>
+        <p:txBody>
+          <a:bodyPr/>
+          <a:lstStyle/>
+          <a:p>
+            <a:pPr marL="0" marR="0" lvl="0" indent="0" algn="l" defTabSz="914400" rtl="0" eaLnBrk="0" fontAlgn="base" latinLnBrk="0" hangingPunct="0">
+              <a:lnSpc>
+                <a:spcPct val="100000"/>
+              </a:lnSpc>
+              <a:spcBef>
+                <a:spcPct val="30000"/>
+              </a:spcBef>
+              <a:spcAft>
+                <a:spcPct val="0"/>
+              </a:spcAft>
+              <a:buClrTx/>
+              <a:buSzTx/>
+              <a:buFontTx/>
+              <a:buNone/>
+              <a:tabLst/>
+              <a:defRPr/>
+            </a:pPr>
+            <a:r>
+              <a:rPr lang="en-US" sz="800" b="0" i="0" u="none" strike="noStrike" baseline="0" dirty="0">
+                <a:solidFill>
+                  <a:srgbClr val="000000"/>
+                </a:solidFill>
+                <a:latin typeface="Cambria Math" panose="02040503050406030204" pitchFamily="18" charset="0"/>
+              </a:rPr>
+              <a:t>RC: [𝑇𝑜𝑢𝑡,𝑇𝑠𝑙𝑎𝑏1,𝑇𝑐𝑎𝑣,𝑇𝑠𝑜𝑢𝑟𝑐𝑒,𝑄̇𝑠𝑜𝑙,𝑄̇𝑖𝑛𝑡,𝑄̇𝑙𝑖𝑔ℎ𝑡,𝑄̇𝐴𝐻𝑈,𝑑𝑇𝑠𝑜𝑢𝑟𝑐𝑒/𝑑𝑡]</a:t>
+            </a:r>
+          </a:p>
+          <a:p>
+            <a:pPr marL="0" marR="0" lvl="0" indent="0" algn="l" defTabSz="914400" rtl="0" eaLnBrk="0" fontAlgn="base" latinLnBrk="0" hangingPunct="0">
+              <a:lnSpc>
+                <a:spcPct val="100000"/>
+              </a:lnSpc>
+              <a:spcBef>
+                <a:spcPct val="30000"/>
+              </a:spcBef>
+              <a:spcAft>
+                <a:spcPct val="0"/>
+              </a:spcAft>
+              <a:buClrTx/>
+              <a:buSzTx/>
+              <a:buFontTx/>
+              <a:buNone/>
+              <a:tabLst/>
+              <a:defRPr/>
+            </a:pPr>
+            <a:r>
+              <a:rPr lang="en-US" sz="800" b="0" i="0" u="none" strike="noStrike" baseline="0" dirty="0">
+                <a:solidFill>
+                  <a:srgbClr val="000000"/>
+                </a:solidFill>
+                <a:latin typeface="Cambria Math" panose="02040503050406030204" pitchFamily="18" charset="0"/>
+              </a:rPr>
+              <a:t>GGMR: 𝑇𝑜𝑢𝑡,𝑇𝑠𝑙𝑎𝑏𝑠,𝑇𝑐𝑎𝑣,𝑉𝑎𝑙𝑣𝑒𝑐𝑙,𝑉𝑎𝑙𝑣𝑒ℎ𝑡,𝐹𝑙𝑜𝑤𝑃𝑟𝑒𝑑𝑖𝑐𝑡𝑒𝑑,𝐺𝐺𝑀𝑅</a:t>
+            </a:r>
+          </a:p>
+          <a:p>
+            <a:pPr marL="0" marR="0" lvl="0" indent="0" algn="l" defTabSz="914400" rtl="0" eaLnBrk="0" fontAlgn="base" latinLnBrk="0" hangingPunct="0">
+              <a:lnSpc>
+                <a:spcPct val="100000"/>
+              </a:lnSpc>
+              <a:spcBef>
+                <a:spcPct val="30000"/>
+              </a:spcBef>
+              <a:spcAft>
+                <a:spcPct val="0"/>
+              </a:spcAft>
+              <a:buClrTx/>
+              <a:buSzTx/>
+              <a:buFontTx/>
+              <a:buNone/>
+              <a:tabLst/>
+              <a:defRPr/>
+            </a:pPr>
+            <a:r>
+              <a:rPr lang="en-US" sz="800" b="0" i="0" u="none" strike="noStrike" baseline="0" dirty="0">
+                <a:solidFill>
+                  <a:srgbClr val="000000"/>
+                </a:solidFill>
+                <a:latin typeface="Cambria Math" panose="02040503050406030204" pitchFamily="18" charset="0"/>
+              </a:rPr>
+              <a:t>Hybrid: 𝑇𝑜𝑢𝑡,𝑇𝑠𝑙𝑎𝑏𝑠,𝑇𝑐𝑎𝑣,𝑉𝑎𝑙𝑣𝑒𝑐𝑙,𝑉𝑎𝑙𝑣𝑒ℎ𝑡, 𝐹𝑙𝑜𝑤𝑃𝑟𝑒𝑑𝑖𝑐𝑡𝑒𝑑,𝐺𝐺𝑀𝑅,𝑅𝐶𝑝𝑟𝑒𝑑𝑖𝑐𝑡𝑒𝑑,𝑅𝑒𝑎𝑙𝑇𝑖𝑚𝑒 	</a:t>
+            </a:r>
+          </a:p>
+          <a:p>
+            <a:pPr marL="0" marR="0" lvl="0" indent="0" algn="l" defTabSz="914400" rtl="0" eaLnBrk="0" fontAlgn="base" latinLnBrk="0" hangingPunct="0">
+              <a:lnSpc>
+                <a:spcPct val="100000"/>
+              </a:lnSpc>
+              <a:spcBef>
+                <a:spcPct val="30000"/>
+              </a:spcBef>
+              <a:spcAft>
+                <a:spcPct val="0"/>
+              </a:spcAft>
+              <a:buClrTx/>
+              <a:buSzTx/>
+              <a:buFontTx/>
+              <a:buNone/>
+              <a:tabLst/>
+              <a:defRPr/>
+            </a:pPr>
+            <a:endParaRPr lang="en-US" sz="800" b="0" i="0" u="none" strike="noStrike" baseline="0" dirty="0">
+              <a:solidFill>
+                <a:srgbClr val="000000"/>
+              </a:solidFill>
+              <a:latin typeface="Cambria Math" panose="02040503050406030204" pitchFamily="18" charset="0"/>
+            </a:endParaRPr>
+          </a:p>
+          <a:p>
+            <a:pPr marL="0" marR="0" lvl="0" indent="0" algn="l" defTabSz="914400" rtl="0" eaLnBrk="0" fontAlgn="base" latinLnBrk="0" hangingPunct="0">
+              <a:lnSpc>
+                <a:spcPct val="100000"/>
+              </a:lnSpc>
+              <a:spcBef>
+                <a:spcPct val="30000"/>
+              </a:spcBef>
+              <a:spcAft>
+                <a:spcPct val="0"/>
+              </a:spcAft>
+              <a:buClrTx/>
+              <a:buSzTx/>
+              <a:buFontTx/>
+              <a:buNone/>
+              <a:tabLst/>
+              <a:defRPr/>
+            </a:pPr>
+            <a:r>
+              <a:rPr lang="en-US" sz="800" b="0" i="0" u="none" strike="noStrike" baseline="0" dirty="0">
+                <a:solidFill>
+                  <a:srgbClr val="000000"/>
+                </a:solidFill>
+                <a:latin typeface="Cambria Math" panose="02040503050406030204" pitchFamily="18" charset="0"/>
+              </a:rPr>
+              <a:t>	</a:t>
+            </a:r>
+          </a:p>
+          <a:p>
+            <a:endParaRPr lang="en-US" sz="800" dirty="0"/>
+          </a:p>
+        </p:txBody>
+      </p:sp>
+      <p:sp>
+        <p:nvSpPr>
+          <p:cNvPr id="4" name="Slide Number Placeholder 3"/>
+          <p:cNvSpPr>
+            <a:spLocks noGrp="1"/>
+          </p:cNvSpPr>
+          <p:nvPr>
+            <p:ph type="sldNum" sz="quarter" idx="5"/>
+          </p:nvPr>
+        </p:nvSpPr>
+        <p:spPr/>
+        <p:txBody>
+          <a:bodyPr/>
+          <a:lstStyle/>
+          <a:p>
+            <a:pPr>
+              <a:defRPr/>
+            </a:pPr>
+            <a:fld id="{604C0EE7-1895-4270-88A3-3A1CFBC131FB}" type="slidenum">
+              <a:rPr lang="zh-CN" altLang="en-US" smtClean="0"/>
+              <a:pPr>
+                <a:defRPr/>
+              </a:pPr>
+              <a:t>18</a:t>
+            </a:fld>
+            <a:endParaRPr lang="en-US" altLang="zh-CN"/>
+          </a:p>
+        </p:txBody>
+      </p:sp>
+    </p:spTree>
+    <p:extLst>
+      <p:ext uri="{BB962C8B-B14F-4D97-AF65-F5344CB8AC3E}">
+        <p14:creationId xmlns:p14="http://schemas.microsoft.com/office/powerpoint/2010/main" val="58381532"/>
       </p:ext>
     </p:extLst>
   </p:cSld>
@@ -1354,8 +1549,21 @@
           <a:lstStyle/>
           <a:p>
             <a:r>
+              <a:rPr lang="en-US" altLang="zh-CN" dirty="0"/>
+              <a:t>equation</a:t>
+            </a:r>
+            <a:endParaRPr lang="en-US" dirty="0"/>
+          </a:p>
+          <a:p>
+            <a:r>
               <a:rPr lang="en-US" dirty="0"/>
               <a:t>Radiant slab (concrete, pipe, chilled/water)/ thermal insulation</a:t>
+            </a:r>
+          </a:p>
+          <a:p>
+            <a:r>
+              <a:rPr lang="en-US" dirty="0"/>
+              <a:t>profile</a:t>
             </a:r>
           </a:p>
           <a:p>
@@ -1545,26 +1753,6 @@
           <a:bodyPr/>
           <a:lstStyle/>
           <a:p>
-            <a:r>
-              <a:rPr lang="en-US" dirty="0"/>
-              <a:t>Input variables, State variables, (</a:t>
-            </a:r>
-            <a:r>
-              <a:rPr lang="en-US" dirty="0" err="1"/>
-              <a:t>Abcd</a:t>
-            </a:r>
-            <a:r>
-              <a:rPr lang="en-US" dirty="0"/>
-              <a:t>) -&gt; Output variable</a:t>
-            </a:r>
-          </a:p>
-          <a:p>
-            <a:r>
-              <a:rPr lang="en-US" dirty="0"/>
-              <a:t>Flexible choice for state variables (how many states will be used to represent external wall)</a:t>
-            </a:r>
-          </a:p>
-          <a:p>
             <a:pPr marL="0" marR="0" lvl="0" indent="0" algn="l" defTabSz="914400" rtl="0" eaLnBrk="0" fontAlgn="base" latinLnBrk="0" hangingPunct="0">
               <a:lnSpc>
                 <a:spcPct val="100000"/>
@@ -1584,7 +1772,23 @@
             </a:pPr>
             <a:r>
               <a:rPr lang="en-US" dirty="0"/>
-              <a:t>The training purpose is to ABCD;</a:t>
+              <a:t>Output variable (Energy), State variables (</a:t>
+            </a:r>
+            <a:r>
+              <a:rPr lang="en-US" dirty="0" err="1"/>
+              <a:t>Troom</a:t>
+            </a:r>
+            <a:r>
+              <a:rPr lang="en-US" dirty="0"/>
+              <a:t>), Input variables (Disturbance), </a:t>
+            </a:r>
+            <a:r>
+              <a:rPr lang="en-US" dirty="0" err="1"/>
+              <a:t>Abcd</a:t>
+            </a:r>
+            <a:r>
+              <a:rPr lang="en-US" dirty="0"/>
+              <a:t> (RC, coefficients).</a:t>
             </a:r>
           </a:p>
           <a:p>
@@ -1605,7 +1809,56 @@
               <a:tabLst/>
               <a:defRPr/>
             </a:pPr>
-            <a:endParaRPr lang="en-US" dirty="0"/>
+            <a:r>
+              <a:rPr lang="en-US" dirty="0"/>
+              <a:t>Takeaway:</a:t>
+            </a:r>
+          </a:p>
+          <a:p>
+            <a:pPr marL="0" marR="0" lvl="0" indent="0" algn="l" defTabSz="914400" rtl="0" eaLnBrk="0" fontAlgn="base" latinLnBrk="0" hangingPunct="0">
+              <a:lnSpc>
+                <a:spcPct val="100000"/>
+              </a:lnSpc>
+              <a:spcBef>
+                <a:spcPct val="30000"/>
+              </a:spcBef>
+              <a:spcAft>
+                <a:spcPct val="0"/>
+              </a:spcAft>
+              <a:buClrTx/>
+              <a:buSzTx/>
+              <a:buFontTx/>
+              <a:buNone/>
+              <a:tabLst/>
+              <a:defRPr/>
+            </a:pPr>
+            <a:r>
+              <a:rPr lang="en-US" dirty="0"/>
+              <a:t>1. The training purpose is to ABCD;</a:t>
+            </a:r>
+          </a:p>
+          <a:p>
+            <a:pPr marL="0" marR="0" lvl="0" indent="0" algn="l" defTabSz="914400" rtl="0" eaLnBrk="0" fontAlgn="base" latinLnBrk="0" hangingPunct="0">
+              <a:lnSpc>
+                <a:spcPct val="100000"/>
+              </a:lnSpc>
+              <a:spcBef>
+                <a:spcPct val="30000"/>
+              </a:spcBef>
+              <a:spcAft>
+                <a:spcPct val="0"/>
+              </a:spcAft>
+              <a:buClrTx/>
+              <a:buSzTx/>
+              <a:buFontTx/>
+              <a:buNone/>
+              <a:tabLst/>
+              <a:defRPr/>
+            </a:pPr>
+            <a:r>
+              <a:rPr lang="en-US" dirty="0"/>
+              <a:t>2. Flexible choices for state variables (how many states will be used to represent the radiant slab?)</a:t>
+            </a:r>
           </a:p>
           <a:p>
             <a:endParaRPr lang="en-US" dirty="0"/>
@@ -1936,15 +2189,15 @@
           <a:p>
             <a:r>
               <a:rPr lang="en-US" dirty="0"/>
-              <a:t>(mu, covariance -&gt; determine prediction) (working condition is change over time, </a:t>
-            </a:r>
-            <a:r>
-              <a:rPr lang="en-US" dirty="0" err="1"/>
-              <a:t>eveloving</a:t>
+              <a:t>(mu, covariance -&gt; </a:t>
+            </a:r>
+            <a:r>
+              <a:rPr lang="en-US" b="1" dirty="0"/>
+              <a:t>determine</a:t>
             </a:r>
             <a:r>
               <a:rPr lang="en-US" dirty="0"/>
-              <a:t>)</a:t>
+              <a:t> prediction) (working condition is change over time, update mechanism)</a:t>
             </a:r>
           </a:p>
         </p:txBody>
@@ -2054,8 +2307,12 @@
           </a:p>
           <a:p>
             <a:r>
+              <a:rPr lang="en-US" sz="900" b="1" dirty="0"/>
+              <a:t>Guidance</a:t>
+            </a:r>
+            <a:r>
               <a:rPr lang="en-US" sz="900" dirty="0"/>
-              <a:t>Guidance (as accurate as possible) needed for GGMR</a:t>
+              <a:t> (as accurate as possible) needed for GGMR</a:t>
             </a:r>
           </a:p>
           <a:p>
@@ -2154,19 +2411,20 @@
           <a:p>
             <a:r>
               <a:rPr lang="en-US" dirty="0"/>
-              <a:t>Workflow 14 time steps ago</a:t>
+              <a:t>Workflow:</a:t>
             </a:r>
           </a:p>
           <a:p>
             <a:r>
               <a:rPr lang="en-US" dirty="0"/>
-              <a:t>Update the historical </a:t>
-            </a:r>
-            <a:r>
-              <a:rPr lang="en-US" dirty="0" err="1"/>
-              <a:t>componments</a:t>
-            </a:r>
-            <a:endParaRPr lang="en-US" dirty="0"/>
+              <a:t>Current -&gt; RC starts warming up from 14 time steps ago</a:t>
+            </a:r>
+          </a:p>
+          <a:p>
+            <a:r>
+              <a:rPr lang="en-US" dirty="0"/>
+              <a:t>RC prediction -&gt; Update the historical components</a:t>
+            </a:r>
           </a:p>
         </p:txBody>
       </p:sp>
@@ -5798,7 +6056,16 @@
                               </a:solidFill>
                               <a:latin typeface="Cambria Math" panose="02040503050406030204" pitchFamily="18" charset="0"/>
                             </a:rPr>
-                            <m:t>−1</m:t>
+                            <m:t>−</m:t>
+                          </m:r>
+                          <m:r>
+                            <a:rPr lang="en-US" sz="1600" b="0" i="1" smtClean="0">
+                              <a:solidFill>
+                                <a:schemeClr val="tx1"/>
+                              </a:solidFill>
+                              <a:latin typeface="Cambria Math" panose="02040503050406030204" pitchFamily="18" charset="0"/>
+                            </a:rPr>
+                            <m:t>1</m:t>
                           </m:r>
                         </m:sup>
                       </m:sSubSup>
@@ -6157,7 +6424,16 @@
                                   </a:solidFill>
                                   <a:latin typeface="Cambria Math" panose="02040503050406030204" pitchFamily="18" charset="0"/>
                                 </a:rPr>
-                                <m:t>=1</m:t>
+                                <m:t>=</m:t>
+                              </m:r>
+                              <m:r>
+                                <a:rPr lang="en-US" sz="1600" b="0" i="1" smtClean="0">
+                                  <a:solidFill>
+                                    <a:schemeClr val="tx1"/>
+                                  </a:solidFill>
+                                  <a:latin typeface="Cambria Math" panose="02040503050406030204" pitchFamily="18" charset="0"/>
+                                </a:rPr>
+                                <m:t>1</m:t>
                               </m:r>
                             </m:sub>
                             <m:sup>
@@ -6635,7 +6911,16 @@
                               </a:solidFill>
                               <a:latin typeface="Cambria Math" panose="02040503050406030204" pitchFamily="18" charset="0"/>
                             </a:rPr>
-                            <m:t>=1</m:t>
+                            <m:t>=</m:t>
+                          </m:r>
+                          <m:r>
+                            <a:rPr lang="en-US" sz="1600" b="0" i="1" smtClean="0">
+                              <a:solidFill>
+                                <a:schemeClr val="tx1"/>
+                              </a:solidFill>
+                              <a:latin typeface="Cambria Math" panose="02040503050406030204" pitchFamily="18" charset="0"/>
+                            </a:rPr>
+                            <m:t>1</m:t>
                           </m:r>
                         </m:sub>
                         <m:sup>
@@ -8760,7 +9045,16 @@
                               </a:solidFill>
                               <a:latin typeface="Cambria Math" panose="02040503050406030204" pitchFamily="18" charset="0"/>
                             </a:rPr>
-                            <m:t>1−</m:t>
+                            <m:t>1</m:t>
+                          </m:r>
+                          <m:r>
+                            <a:rPr lang="en-US" sz="1600" b="0" i="1" smtClean="0">
+                              <a:solidFill>
+                                <a:schemeClr val="tx1"/>
+                              </a:solidFill>
+                              <a:latin typeface="Cambria Math" panose="02040503050406030204" pitchFamily="18" charset="0"/>
+                            </a:rPr>
+                            <m:t>−</m:t>
                           </m:r>
                           <m:sSub>
                             <m:sSubPr>
@@ -8860,7 +9154,16 @@
                               </a:solidFill>
                               <a:latin typeface="Cambria Math" panose="02040503050406030204" pitchFamily="18" charset="0"/>
                             </a:rPr>
-                            <m:t>−1</m:t>
+                            <m:t>−</m:t>
+                          </m:r>
+                          <m:r>
+                            <a:rPr lang="en-US" sz="1600" b="0" i="1" smtClean="0">
+                              <a:solidFill>
+                                <a:schemeClr val="tx1"/>
+                              </a:solidFill>
+                              <a:latin typeface="Cambria Math" panose="02040503050406030204" pitchFamily="18" charset="0"/>
+                            </a:rPr>
+                            <m:t>1</m:t>
                           </m:r>
                         </m:e>
                       </m:d>
@@ -9046,7 +9349,16 @@
                               </a:solidFill>
                               <a:latin typeface="Cambria Math" panose="02040503050406030204" pitchFamily="18" charset="0"/>
                             </a:rPr>
-                            <m:t>1−</m:t>
+                            <m:t>1</m:t>
+                          </m:r>
+                          <m:r>
+                            <a:rPr lang="en-US" sz="1600" i="1">
+                              <a:solidFill>
+                                <a:schemeClr val="tx1"/>
+                              </a:solidFill>
+                              <a:latin typeface="Cambria Math" panose="02040503050406030204" pitchFamily="18" charset="0"/>
+                            </a:rPr>
+                            <m:t>−</m:t>
                           </m:r>
                           <m:sSub>
                             <m:sSubPr>
@@ -9149,7 +9461,16 @@
                               </a:solidFill>
                               <a:latin typeface="Cambria Math" panose="02040503050406030204" pitchFamily="18" charset="0"/>
                             </a:rPr>
-                            <m:t>−1</m:t>
+                            <m:t>−</m:t>
+                          </m:r>
+                          <m:r>
+                            <a:rPr lang="en-US" sz="1600" i="1">
+                              <a:solidFill>
+                                <a:schemeClr val="tx1"/>
+                              </a:solidFill>
+                              <a:latin typeface="Cambria Math" panose="02040503050406030204" pitchFamily="18" charset="0"/>
+                            </a:rPr>
+                            <m:t>1</m:t>
                           </m:r>
                         </m:e>
                       </m:d>
@@ -9325,7 +9646,16 @@
                                       </a:solidFill>
                                       <a:latin typeface="Cambria Math" panose="02040503050406030204" pitchFamily="18" charset="0"/>
                                     </a:rPr>
-                                    <m:t>−1</m:t>
+                                    <m:t>−</m:t>
+                                  </m:r>
+                                  <m:r>
+                                    <a:rPr lang="en-US" sz="1600" b="0" i="1" smtClean="0">
+                                      <a:solidFill>
+                                        <a:schemeClr val="tx1"/>
+                                      </a:solidFill>
+                                      <a:latin typeface="Cambria Math" panose="02040503050406030204" pitchFamily="18" charset="0"/>
+                                    </a:rPr>
+                                    <m:t>1</m:t>
                                   </m:r>
                                 </m:e>
                               </m:d>
@@ -10792,7 +11122,16 @@
                             </a:solidFill>
                             <a:latin typeface="Cambria Math" panose="02040503050406030204" pitchFamily="18" charset="0"/>
                           </a:rPr>
-                          <m:t>𝑡h</m:t>
+                          <m:t>𝑡</m:t>
+                        </m:r>
+                        <m:r>
+                          <a:rPr lang="en-US" sz="1400" b="0" i="1" smtClean="0">
+                            <a:solidFill>
+                              <a:schemeClr val="tx1"/>
+                            </a:solidFill>
+                            <a:latin typeface="Cambria Math" panose="02040503050406030204" pitchFamily="18" charset="0"/>
+                          </a:rPr>
+                          <m:t>h</m:t>
                         </m:r>
                       </m:sub>
                     </m:sSub>
@@ -12966,7 +13305,16 @@
                             </a:solidFill>
                             <a:latin typeface="Cambria Math" panose="02040503050406030204" pitchFamily="18" charset="0"/>
                           </a:rPr>
-                          <m:t>𝑡h</m:t>
+                          <m:t>𝑡</m:t>
+                        </m:r>
+                        <m:r>
+                          <a:rPr lang="en-US" sz="1400" b="0" i="1" smtClean="0">
+                            <a:solidFill>
+                              <a:schemeClr val="tx1"/>
+                            </a:solidFill>
+                            <a:latin typeface="Cambria Math" panose="02040503050406030204" pitchFamily="18" charset="0"/>
+                          </a:rPr>
+                          <m:t>h</m:t>
                         </m:r>
                       </m:sub>
                     </m:sSub>
@@ -13441,7 +13789,19 @@
                                       <a:ea typeface="Times New Roman" panose="02020603050405020304" pitchFamily="18" charset="0"/>
                                       <a:cs typeface="Times New Roman" panose="02020603050405020304" pitchFamily="18" charset="0"/>
                                     </a:rPr>
-                                    <m:t>=1</m:t>
+                                    <m:t>=</m:t>
+                                  </m:r>
+                                  <m:r>
+                                    <a:rPr lang="en-US" sz="1200" i="1">
+                                      <a:solidFill>
+                                        <a:schemeClr val="tx1"/>
+                                      </a:solidFill>
+                                      <a:effectLst/>
+                                      <a:latin typeface="Cambria Math" panose="02040503050406030204" pitchFamily="18" charset="0"/>
+                                      <a:ea typeface="Times New Roman" panose="02020603050405020304" pitchFamily="18" charset="0"/>
+                                      <a:cs typeface="Times New Roman" panose="02020603050405020304" pitchFamily="18" charset="0"/>
+                                    </a:rPr>
+                                    <m:t>1</m:t>
                                   </m:r>
                                 </m:sub>
                                 <m:sup>
@@ -13671,7 +14031,19 @@
                                   <a:ea typeface="Times New Roman" panose="02020603050405020304" pitchFamily="18" charset="0"/>
                                   <a:cs typeface="Times New Roman" panose="02020603050405020304" pitchFamily="18" charset="0"/>
                                 </a:rPr>
-                                <m:t>−1</m:t>
+                                <m:t>−</m:t>
+                              </m:r>
+                              <m:r>
+                                <a:rPr lang="en-US" sz="1200" i="1">
+                                  <a:solidFill>
+                                    <a:schemeClr val="tx1"/>
+                                  </a:solidFill>
+                                  <a:effectLst/>
+                                  <a:latin typeface="Cambria Math" panose="02040503050406030204" pitchFamily="18" charset="0"/>
+                                  <a:ea typeface="Times New Roman" panose="02020603050405020304" pitchFamily="18" charset="0"/>
+                                  <a:cs typeface="Times New Roman" panose="02020603050405020304" pitchFamily="18" charset="0"/>
+                                </a:rPr>
+                                <m:t>1</m:t>
                               </m:r>
                             </m:den>
                           </m:f>
@@ -15232,7 +15604,7 @@
               <a:t>has better </a:t>
             </a:r>
             <a:r>
-              <a:rPr lang="en-US" dirty="0" err="1"/>
+              <a:rPr lang="en-US" b="1" dirty="0" err="1"/>
               <a:t>explainability</a:t>
             </a:r>
             <a:r>
@@ -15247,19 +15619,27 @@
               <a:t>GGMR is easier to get constructed and </a:t>
             </a:r>
             <a:r>
-              <a:rPr lang="en-US" sz="2400"/>
-              <a:t>trained than </a:t>
+              <a:rPr lang="en-US" sz="2400" b="1" dirty="0"/>
+              <a:t>trained</a:t>
             </a:r>
             <a:r>
               <a:rPr lang="en-US" sz="2400" dirty="0"/>
-              <a:t>RC model.</a:t>
+              <a:t> than RC model.</a:t>
             </a:r>
             <a:endParaRPr lang="en-US" dirty="0"/>
           </a:p>
           <a:p>
             <a:r>
               <a:rPr lang="en-US" dirty="0"/>
-              <a:t>The hybrid approach (RC+GGMR) has the best prediction performance among these approaches.</a:t>
+              <a:t>The hybrid approach (RC+GGMR) has the </a:t>
+            </a:r>
+            <a:r>
+              <a:rPr lang="en-US" b="1" dirty="0"/>
+              <a:t>best</a:t>
+            </a:r>
+            <a:r>
+              <a:rPr lang="en-US" dirty="0"/>
+              <a:t> prediction performance among these approaches.</a:t>
             </a:r>
           </a:p>
         </p:txBody>
@@ -15627,12 +16007,15 @@
           <a:bodyPr/>
           <a:lstStyle/>
           <a:p>
-            <a:endParaRPr lang="en-US" dirty="0"/>
+            <a:r>
+              <a:rPr lang="en-US" dirty="0"/>
+              <a:t>Q</a:t>
+            </a:r>
           </a:p>
         </p:txBody>
       </p:sp>
-      <mc:AlternateContent xmlns:mc="http://schemas.openxmlformats.org/markup-compatibility/2006" xmlns:a14="http://schemas.microsoft.com/office/drawing/2010/main">
-        <mc:Choice Requires="a14">
+      <mc:AlternateContent xmlns:mc="http://schemas.openxmlformats.org/markup-compatibility/2006">
+        <mc:Choice xmlns:a14="http://schemas.microsoft.com/office/drawing/2010/main" Requires="a14">
           <p:sp>
             <p:nvSpPr>
               <p:cNvPr id="4" name="Content Placeholder 3">
@@ -15655,37 +16038,37 @@
               <a:lstStyle/>
               <a:p>
                 <a:r>
-                  <a:rPr lang="en-US" dirty="0"/>
-                  <a:t>Why GGMR is necessary</a:t>
+                  <a:rPr lang="en-US" sz="1800" dirty="0"/>
+                  <a:t>Why GGMR is necessary?</a:t>
                 </a:r>
               </a:p>
               <a:p>
                 <a:r>
-                  <a:rPr lang="en-US" dirty="0"/>
+                  <a:rPr lang="en-US" sz="1800" dirty="0"/>
                   <a:t>Why RC is necessary?</a:t>
                 </a:r>
               </a:p>
               <a:p>
                 <a:r>
-                  <a:rPr lang="en-US" dirty="0"/>
+                  <a:rPr lang="en-US" sz="1800" dirty="0"/>
                   <a:t>Why hybrid is necessary?</a:t>
                 </a:r>
               </a:p>
               <a:p>
                 <a:r>
-                  <a:rPr lang="en-US" dirty="0"/>
+                  <a:rPr lang="en-US" sz="1800" dirty="0"/>
                   <a:t>Have you tried other features for GGMR?</a:t>
                 </a:r>
               </a:p>
               <a:p>
                 <a:r>
-                  <a:rPr lang="en-US" dirty="0"/>
-                  <a:t>What’s the input variables for RC (</a:t>
+                  <a:rPr lang="en-US" sz="1800" dirty="0"/>
+                  <a:t>What’s the input variables (</a:t>
                 </a:r>
                 <a14:m>
                   <m:oMath xmlns:m="http://schemas.openxmlformats.org/officeDocument/2006/math">
                     <m:r>
-                      <a:rPr lang="en-US" b="0" i="1" smtClean="0">
+                      <a:rPr lang="en-US" sz="1800" b="0" i="1" smtClean="0">
                         <a:latin typeface="Cambria Math" panose="02040503050406030204" pitchFamily="18" charset="0"/>
                       </a:rPr>
                       <m:t>𝑑</m:t>
@@ -15693,14 +16076,14 @@
                     <m:sSub>
                       <m:sSubPr>
                         <m:ctrlPr>
-                          <a:rPr lang="en-US" b="0" i="1" smtClean="0">
+                          <a:rPr lang="en-US" sz="1800" b="0" i="1" smtClean="0">
                             <a:latin typeface="Cambria Math" panose="02040503050406030204" pitchFamily="18" charset="0"/>
                           </a:rPr>
                         </m:ctrlPr>
                       </m:sSubPr>
                       <m:e>
                         <m:r>
-                          <a:rPr lang="en-US" b="0" i="1" smtClean="0">
+                          <a:rPr lang="en-US" sz="1800" b="0" i="1" smtClean="0">
                             <a:latin typeface="Cambria Math" panose="02040503050406030204" pitchFamily="18" charset="0"/>
                           </a:rPr>
                           <m:t>𝑇</m:t>
@@ -15708,7 +16091,7 @@
                       </m:e>
                       <m:sub>
                         <m:r>
-                          <a:rPr lang="en-US" b="0" i="1" smtClean="0">
+                          <a:rPr lang="en-US" sz="1800" b="0" i="1" smtClean="0">
                             <a:latin typeface="Cambria Math" panose="02040503050406030204" pitchFamily="18" charset="0"/>
                           </a:rPr>
                           <m:t>𝑠𝑜𝑢𝑟𝑐𝑒</m:t>
@@ -15716,7 +16099,7 @@
                       </m:sub>
                     </m:sSub>
                     <m:r>
-                      <a:rPr lang="en-US" b="0" i="0" smtClean="0">
+                      <a:rPr lang="en-US" sz="1800" b="0" i="0" smtClean="0">
                         <a:latin typeface="Cambria Math" panose="02040503050406030204" pitchFamily="18" charset="0"/>
                       </a:rPr>
                       <m:t> </m:t>
@@ -15724,14 +16107,26 @@
                   </m:oMath>
                 </a14:m>
                 <a:r>
-                  <a:rPr lang="en-US" dirty="0"/>
+                  <a:rPr lang="en-US" sz="1800" dirty="0"/>
                   <a:t>can be predicted?)</a:t>
+                </a:r>
+              </a:p>
+              <a:p>
+                <a:r>
+                  <a:rPr lang="en-US" sz="1800" dirty="0"/>
+                  <a:t>GGMR update rules</a:t>
+                </a:r>
+              </a:p>
+              <a:p>
+                <a:r>
+                  <a:rPr lang="en-US" sz="1800" dirty="0"/>
+                  <a:t>Performance explanation</a:t>
                 </a:r>
               </a:p>
             </p:txBody>
           </p:sp>
         </mc:Choice>
-        <mc:Fallback xmlns="">
+        <mc:Fallback>
           <p:sp>
             <p:nvSpPr>
               <p:cNvPr id="4" name="Content Placeholder 3">
@@ -15750,9 +16145,9 @@
             </p:nvSpPr>
             <p:spPr>
               <a:blipFill>
-                <a:blip r:embed="rId2"/>
+                <a:blip r:embed="rId3"/>
                 <a:stretch>
-                  <a:fillRect l="-1659" t="-313" r="-3922" b="-2821"/>
+                  <a:fillRect l="-603"/>
                 </a:stretch>
               </a:blipFill>
             </p:spPr>
@@ -15792,7 +16187,10 @@
           <a:bodyPr/>
           <a:lstStyle/>
           <a:p>
-            <a:endParaRPr lang="en-US"/>
+            <a:r>
+              <a:rPr lang="en-US"/>
+              <a:t>A</a:t>
+            </a:r>
           </a:p>
         </p:txBody>
       </p:sp>
@@ -15817,7 +16215,119 @@
           <a:bodyPr/>
           <a:lstStyle/>
           <a:p>
-            <a:endParaRPr lang="en-US"/>
+            <a:pPr marL="0" marR="0" lvl="0" indent="0" algn="l" defTabSz="914400" rtl="0" eaLnBrk="0" fontAlgn="base" latinLnBrk="0" hangingPunct="0">
+              <a:lnSpc>
+                <a:spcPct val="100000"/>
+              </a:lnSpc>
+              <a:spcBef>
+                <a:spcPct val="30000"/>
+              </a:spcBef>
+              <a:spcAft>
+                <a:spcPct val="0"/>
+              </a:spcAft>
+              <a:buClrTx/>
+              <a:buSzTx/>
+              <a:buFontTx/>
+              <a:buNone/>
+              <a:tabLst/>
+              <a:defRPr/>
+            </a:pPr>
+            <a:r>
+              <a:rPr lang="en-US" sz="1200" b="0" i="0" u="none" strike="noStrike" baseline="0" dirty="0">
+                <a:solidFill>
+                  <a:srgbClr val="000000"/>
+                </a:solidFill>
+                <a:latin typeface="Cambria Math" panose="02040503050406030204" pitchFamily="18" charset="0"/>
+              </a:rPr>
+              <a:t>RC: 𝑇𝑜𝑢𝑡,𝑇𝑠𝑙𝑎𝑏1,𝑇𝑐𝑎𝑣,𝑇𝑠𝑜𝑢𝑟𝑐𝑒,𝑄̇𝑠𝑜𝑙,𝑄̇𝑖𝑛𝑡,𝑄̇𝑙𝑖𝑔ℎ𝑡,𝑄̇𝐴𝐻𝑈,𝑑𝑇𝑠𝑜𝑢𝑟𝑐𝑒/𝑑𝑡</a:t>
+            </a:r>
+          </a:p>
+          <a:p>
+            <a:pPr marL="0" marR="0" lvl="0" indent="0" algn="l" defTabSz="914400" rtl="0" eaLnBrk="0" fontAlgn="base" latinLnBrk="0" hangingPunct="0">
+              <a:lnSpc>
+                <a:spcPct val="100000"/>
+              </a:lnSpc>
+              <a:spcBef>
+                <a:spcPct val="30000"/>
+              </a:spcBef>
+              <a:spcAft>
+                <a:spcPct val="0"/>
+              </a:spcAft>
+              <a:buClrTx/>
+              <a:buSzTx/>
+              <a:buFontTx/>
+              <a:buNone/>
+              <a:tabLst/>
+              <a:defRPr/>
+            </a:pPr>
+            <a:r>
+              <a:rPr lang="en-US" sz="1200" b="0" i="0" u="none" strike="noStrike" baseline="0" dirty="0">
+                <a:solidFill>
+                  <a:srgbClr val="000000"/>
+                </a:solidFill>
+                <a:latin typeface="Cambria Math" panose="02040503050406030204" pitchFamily="18" charset="0"/>
+              </a:rPr>
+              <a:t>GGMR: 𝑇𝑜𝑢𝑡,𝑇𝑠𝑙𝑎𝑏𝑠,𝑇𝑐𝑎𝑣,𝑉𝑎𝑙𝑣𝑒𝑐𝑙,𝑉𝑎𝑙𝑣𝑒ℎ𝑡,𝐹𝑙𝑜𝑤𝑃𝑟𝑒𝑑𝑖𝑐𝑡𝑒𝑑,𝐺𝐺𝑀𝑅</a:t>
+            </a:r>
+          </a:p>
+          <a:p>
+            <a:pPr marL="0" marR="0" lvl="0" indent="0" algn="l" defTabSz="914400" rtl="0" eaLnBrk="0" fontAlgn="base" latinLnBrk="0" hangingPunct="0">
+              <a:lnSpc>
+                <a:spcPct val="100000"/>
+              </a:lnSpc>
+              <a:spcBef>
+                <a:spcPct val="30000"/>
+              </a:spcBef>
+              <a:spcAft>
+                <a:spcPct val="0"/>
+              </a:spcAft>
+              <a:buClrTx/>
+              <a:buSzTx/>
+              <a:buFontTx/>
+              <a:buNone/>
+              <a:tabLst/>
+              <a:defRPr/>
+            </a:pPr>
+            <a:r>
+              <a:rPr lang="en-US" sz="1200" b="0" i="0" u="none" strike="noStrike" baseline="0" dirty="0">
+                <a:solidFill>
+                  <a:srgbClr val="000000"/>
+                </a:solidFill>
+                <a:latin typeface="Cambria Math" panose="02040503050406030204" pitchFamily="18" charset="0"/>
+              </a:rPr>
+              <a:t>Hybrid: </a:t>
+            </a:r>
+          </a:p>
+          <a:p>
+            <a:pPr marL="0" marR="0" lvl="0" indent="0" algn="l" defTabSz="914400" rtl="0" eaLnBrk="0" fontAlgn="base" latinLnBrk="0" hangingPunct="0">
+              <a:lnSpc>
+                <a:spcPct val="100000"/>
+              </a:lnSpc>
+              <a:spcBef>
+                <a:spcPct val="30000"/>
+              </a:spcBef>
+              <a:spcAft>
+                <a:spcPct val="0"/>
+              </a:spcAft>
+              <a:buClrTx/>
+              <a:buSzTx/>
+              <a:buFontTx/>
+              <a:buNone/>
+              <a:tabLst/>
+              <a:defRPr/>
+            </a:pPr>
+            <a:r>
+              <a:rPr lang="en-US" sz="1200" b="0" i="0" u="none" strike="noStrike" baseline="0" dirty="0">
+                <a:solidFill>
+                  <a:srgbClr val="000000"/>
+                </a:solidFill>
+                <a:latin typeface="Cambria Math" panose="02040503050406030204" pitchFamily="18" charset="0"/>
+              </a:rPr>
+              <a:t>𝑇𝑜𝑢𝑡,𝑇𝑠𝑙𝑎𝑏𝑠,𝑇𝑐𝑎𝑣,𝑉𝑎𝑙𝑣𝑒𝑐𝑙,𝑉𝑎𝑙𝑣𝑒ℎ𝑡, 𝐹𝑙𝑜𝑤𝑃𝑟𝑒𝑑𝑖𝑐𝑡𝑒𝑑,𝐺𝐺𝑀𝑅,𝑅𝐶𝑝𝑟𝑒𝑑𝑖𝑐𝑡𝑒𝑑,𝑅𝑒𝑎𝑙𝑇𝑖𝑚𝑒 	</a:t>
+            </a:r>
+          </a:p>
+          <a:p>
+            <a:endParaRPr lang="en-US" sz="1200" dirty="0"/>
           </a:p>
         </p:txBody>
       </p:sp>
@@ -16171,8 +16681,8 @@
           </a:p>
         </p:txBody>
       </p:sp>
-      <mc:AlternateContent xmlns:mc="http://schemas.openxmlformats.org/markup-compatibility/2006" xmlns:a14="http://schemas.microsoft.com/office/drawing/2010/main">
-        <mc:Choice Requires="a14">
+      <mc:AlternateContent xmlns:mc="http://schemas.openxmlformats.org/markup-compatibility/2006">
+        <mc:Choice xmlns:a14="http://schemas.microsoft.com/office/drawing/2010/main" Requires="a14">
           <p:sp>
             <p:nvSpPr>
               <p:cNvPr id="3" name="Content Placeholder 2">
@@ -16197,10 +16707,10 @@
                 <a14:m>
                   <m:oMath xmlns:m="http://schemas.openxmlformats.org/officeDocument/2006/math">
                     <m:r>
-                      <a:rPr lang="en-US" b="0" i="1" smtClean="0">
+                      <a:rPr lang="en-US" b="1" i="1" smtClean="0">
                         <a:latin typeface="Cambria Math" panose="02040503050406030204" pitchFamily="18" charset="0"/>
                       </a:rPr>
-                      <m:t>𝑙𝑜𝑎𝑑</m:t>
+                      <m:t>𝒍𝒐𝒂𝒅</m:t>
                     </m:r>
                     <m:r>
                       <a:rPr lang="en-US" b="0" i="1" smtClean="0">
@@ -16464,8 +16974,12 @@
                   <a:t>s </a:t>
                 </a:r>
                 <a:r>
+                  <a:rPr lang="en-US" b="1" dirty="0"/>
+                  <a:t>large</a:t>
+                </a:r>
+                <a:r>
                   <a:rPr lang="en-US" dirty="0"/>
-                  <a:t>large thermal capacitance</a:t>
+                  <a:t> thermal capacitance</a:t>
                 </a:r>
               </a:p>
               <a:p>
@@ -16474,7 +16988,7 @@
             </p:txBody>
           </p:sp>
         </mc:Choice>
-        <mc:Fallback xmlns="">
+        <mc:Fallback>
           <p:sp>
             <p:nvSpPr>
               <p:cNvPr id="3" name="Content Placeholder 2">
@@ -16647,6 +17161,53 @@
             </a:solidFill>
             <a:prstDash val="dash"/>
           </a:ln>
+        </p:spPr>
+      </p:pic>
+      <p:pic>
+        <p:nvPicPr>
+          <p:cNvPr id="1026" name="Picture 2" descr="radiant heat polished concrete floor diagram">
+            <a:extLst>
+              <a:ext uri="{FF2B5EF4-FFF2-40B4-BE49-F238E27FC236}">
+                <a16:creationId xmlns:a16="http://schemas.microsoft.com/office/drawing/2014/main" id="{5DC8D88E-CB3D-23FF-C6D9-986D0F62F83D}"/>
+              </a:ext>
+            </a:extLst>
+          </p:cNvPr>
+          <p:cNvPicPr>
+            <a:picLocks noChangeAspect="1" noChangeArrowheads="1"/>
+          </p:cNvPicPr>
+          <p:nvPr/>
+        </p:nvPicPr>
+        <p:blipFill>
+          <a:blip r:embed="rId5">
+            <a:extLst>
+              <a:ext uri="{28A0092B-C50C-407E-A947-70E740481C1C}">
+                <a14:useLocalDpi xmlns:a14="http://schemas.microsoft.com/office/drawing/2010/main" val="0"/>
+              </a:ext>
+            </a:extLst>
+          </a:blip>
+          <a:srcRect/>
+          <a:stretch>
+            <a:fillRect/>
+          </a:stretch>
+        </p:blipFill>
+        <p:spPr bwMode="auto">
+          <a:xfrm>
+            <a:off x="7391400" y="2305393"/>
+            <a:ext cx="1447800" cy="963269"/>
+          </a:xfrm>
+          <a:prstGeom prst="rect">
+            <a:avLst/>
+          </a:prstGeom>
+          <a:noFill/>
+          <a:extLst>
+            <a:ext uri="{909E8E84-426E-40DD-AFC4-6F175D3DCCD1}">
+              <a14:hiddenFill xmlns:a14="http://schemas.microsoft.com/office/drawing/2010/main">
+                <a:solidFill>
+                  <a:srgbClr val="FFFFFF"/>
+                </a:solidFill>
+              </a14:hiddenFill>
+            </a:ext>
+          </a:extLst>
         </p:spPr>
       </p:pic>
     </p:spTree>
@@ -17330,7 +17891,115 @@
                                       <a:ea typeface="DengXian" panose="02010600030101010101" pitchFamily="2" charset="-122"/>
                                       <a:cs typeface="Times New Roman" panose="02020603050405020304" pitchFamily="18" charset="0"/>
                                     </a:rPr>
-                                    <m:t>−1−1+1+1.1</m:t>
+                                    <m:t>−</m:t>
+                                  </m:r>
+                                  <m:r>
+                                    <a:rPr lang="en-US" sz="1800" i="1">
+                                      <a:solidFill>
+                                        <a:schemeClr val="tx1"/>
+                                      </a:solidFill>
+                                      <a:effectLst/>
+                                      <a:latin typeface="Cambria Math" panose="02040503050406030204" pitchFamily="18" charset="0"/>
+                                      <a:ea typeface="DengXian" panose="02010600030101010101" pitchFamily="2" charset="-122"/>
+                                      <a:cs typeface="Times New Roman" panose="02020603050405020304" pitchFamily="18" charset="0"/>
+                                    </a:rPr>
+                                    <m:t>1</m:t>
+                                  </m:r>
+                                  <m:r>
+                                    <a:rPr lang="en-US" sz="1800" i="1">
+                                      <a:solidFill>
+                                        <a:schemeClr val="tx1"/>
+                                      </a:solidFill>
+                                      <a:effectLst/>
+                                      <a:latin typeface="Cambria Math" panose="02040503050406030204" pitchFamily="18" charset="0"/>
+                                      <a:ea typeface="DengXian" panose="02010600030101010101" pitchFamily="2" charset="-122"/>
+                                      <a:cs typeface="Times New Roman" panose="02020603050405020304" pitchFamily="18" charset="0"/>
+                                    </a:rPr>
+                                    <m:t>−</m:t>
+                                  </m:r>
+                                  <m:r>
+                                    <a:rPr lang="en-US" sz="1800" i="1">
+                                      <a:solidFill>
+                                        <a:schemeClr val="tx1"/>
+                                      </a:solidFill>
+                                      <a:effectLst/>
+                                      <a:latin typeface="Cambria Math" panose="02040503050406030204" pitchFamily="18" charset="0"/>
+                                      <a:ea typeface="DengXian" panose="02010600030101010101" pitchFamily="2" charset="-122"/>
+                                      <a:cs typeface="Times New Roman" panose="02020603050405020304" pitchFamily="18" charset="0"/>
+                                    </a:rPr>
+                                    <m:t>1</m:t>
+                                  </m:r>
+                                  <m:r>
+                                    <a:rPr lang="en-US" sz="1800" i="1">
+                                      <a:solidFill>
+                                        <a:schemeClr val="tx1"/>
+                                      </a:solidFill>
+                                      <a:effectLst/>
+                                      <a:latin typeface="Cambria Math" panose="02040503050406030204" pitchFamily="18" charset="0"/>
+                                      <a:ea typeface="DengXian" panose="02010600030101010101" pitchFamily="2" charset="-122"/>
+                                      <a:cs typeface="Times New Roman" panose="02020603050405020304" pitchFamily="18" charset="0"/>
+                                    </a:rPr>
+                                    <m:t>+</m:t>
+                                  </m:r>
+                                  <m:r>
+                                    <a:rPr lang="en-US" sz="1800" i="1">
+                                      <a:solidFill>
+                                        <a:schemeClr val="tx1"/>
+                                      </a:solidFill>
+                                      <a:effectLst/>
+                                      <a:latin typeface="Cambria Math" panose="02040503050406030204" pitchFamily="18" charset="0"/>
+                                      <a:ea typeface="DengXian" panose="02010600030101010101" pitchFamily="2" charset="-122"/>
+                                      <a:cs typeface="Times New Roman" panose="02020603050405020304" pitchFamily="18" charset="0"/>
+                                    </a:rPr>
+                                    <m:t>1</m:t>
+                                  </m:r>
+                                  <m:r>
+                                    <a:rPr lang="en-US" sz="1800" i="1">
+                                      <a:solidFill>
+                                        <a:schemeClr val="tx1"/>
+                                      </a:solidFill>
+                                      <a:effectLst/>
+                                      <a:latin typeface="Cambria Math" panose="02040503050406030204" pitchFamily="18" charset="0"/>
+                                      <a:ea typeface="DengXian" panose="02010600030101010101" pitchFamily="2" charset="-122"/>
+                                      <a:cs typeface="Times New Roman" panose="02020603050405020304" pitchFamily="18" charset="0"/>
+                                    </a:rPr>
+                                    <m:t>+</m:t>
+                                  </m:r>
+                                  <m:r>
+                                    <a:rPr lang="en-US" sz="1800" i="1">
+                                      <a:solidFill>
+                                        <a:schemeClr val="tx1"/>
+                                      </a:solidFill>
+                                      <a:effectLst/>
+                                      <a:latin typeface="Cambria Math" panose="02040503050406030204" pitchFamily="18" charset="0"/>
+                                      <a:ea typeface="DengXian" panose="02010600030101010101" pitchFamily="2" charset="-122"/>
+                                      <a:cs typeface="Times New Roman" panose="02020603050405020304" pitchFamily="18" charset="0"/>
+                                    </a:rPr>
+                                    <m:t>1</m:t>
+                                  </m:r>
+                                  <m:r>
+                                    <a:rPr lang="en-US" sz="1800" i="1">
+                                      <a:solidFill>
+                                        <a:schemeClr val="tx1"/>
+                                      </a:solidFill>
+                                      <a:effectLst/>
+                                      <a:latin typeface="Cambria Math" panose="02040503050406030204" pitchFamily="18" charset="0"/>
+                                      <a:ea typeface="DengXian" panose="02010600030101010101" pitchFamily="2" charset="-122"/>
+                                      <a:cs typeface="Times New Roman" panose="02020603050405020304" pitchFamily="18" charset="0"/>
+                                    </a:rPr>
+                                    <m:t>.</m:t>
+                                  </m:r>
+                                  <m:r>
+                                    <a:rPr lang="en-US" sz="1800" i="1">
+                                      <a:solidFill>
+                                        <a:schemeClr val="tx1"/>
+                                      </a:solidFill>
+                                      <a:effectLst/>
+                                      <a:latin typeface="Cambria Math" panose="02040503050406030204" pitchFamily="18" charset="0"/>
+                                      <a:ea typeface="DengXian" panose="02010600030101010101" pitchFamily="2" charset="-122"/>
+                                      <a:cs typeface="Times New Roman" panose="02020603050405020304" pitchFamily="18" charset="0"/>
+                                    </a:rPr>
+                                    <m:t>1</m:t>
                                   </m:r>
                                 </m:e>
                               </m:d>
@@ -17369,7 +18038,139 @@
                                       <a:ea typeface="DengXian" panose="02010600030101010101" pitchFamily="2" charset="-122"/>
                                       <a:cs typeface="Times New Roman" panose="02020603050405020304" pitchFamily="18" charset="0"/>
                                     </a:rPr>
-                                    <m:t>−0.9−1.1+1+1</m:t>
+                                    <m:t>−</m:t>
+                                  </m:r>
+                                  <m:r>
+                                    <a:rPr lang="en-US" sz="1800" i="1">
+                                      <a:solidFill>
+                                        <a:schemeClr val="tx1"/>
+                                      </a:solidFill>
+                                      <a:effectLst/>
+                                      <a:latin typeface="Cambria Math" panose="02040503050406030204" pitchFamily="18" charset="0"/>
+                                      <a:ea typeface="DengXian" panose="02010600030101010101" pitchFamily="2" charset="-122"/>
+                                      <a:cs typeface="Times New Roman" panose="02020603050405020304" pitchFamily="18" charset="0"/>
+                                    </a:rPr>
+                                    <m:t>0</m:t>
+                                  </m:r>
+                                  <m:r>
+                                    <a:rPr lang="en-US" sz="1800" i="1">
+                                      <a:solidFill>
+                                        <a:schemeClr val="tx1"/>
+                                      </a:solidFill>
+                                      <a:effectLst/>
+                                      <a:latin typeface="Cambria Math" panose="02040503050406030204" pitchFamily="18" charset="0"/>
+                                      <a:ea typeface="DengXian" panose="02010600030101010101" pitchFamily="2" charset="-122"/>
+                                      <a:cs typeface="Times New Roman" panose="02020603050405020304" pitchFamily="18" charset="0"/>
+                                    </a:rPr>
+                                    <m:t>.</m:t>
+                                  </m:r>
+                                  <m:r>
+                                    <a:rPr lang="en-US" sz="1800" i="1">
+                                      <a:solidFill>
+                                        <a:schemeClr val="tx1"/>
+                                      </a:solidFill>
+                                      <a:effectLst/>
+                                      <a:latin typeface="Cambria Math" panose="02040503050406030204" pitchFamily="18" charset="0"/>
+                                      <a:ea typeface="DengXian" panose="02010600030101010101" pitchFamily="2" charset="-122"/>
+                                      <a:cs typeface="Times New Roman" panose="02020603050405020304" pitchFamily="18" charset="0"/>
+                                    </a:rPr>
+                                    <m:t>9</m:t>
+                                  </m:r>
+                                  <m:r>
+                                    <a:rPr lang="en-US" sz="1800" i="1">
+                                      <a:solidFill>
+                                        <a:schemeClr val="tx1"/>
+                                      </a:solidFill>
+                                      <a:effectLst/>
+                                      <a:latin typeface="Cambria Math" panose="02040503050406030204" pitchFamily="18" charset="0"/>
+                                      <a:ea typeface="DengXian" panose="02010600030101010101" pitchFamily="2" charset="-122"/>
+                                      <a:cs typeface="Times New Roman" panose="02020603050405020304" pitchFamily="18" charset="0"/>
+                                    </a:rPr>
+                                    <m:t>−</m:t>
+                                  </m:r>
+                                  <m:r>
+                                    <a:rPr lang="en-US" sz="1800" i="1">
+                                      <a:solidFill>
+                                        <a:schemeClr val="tx1"/>
+                                      </a:solidFill>
+                                      <a:effectLst/>
+                                      <a:latin typeface="Cambria Math" panose="02040503050406030204" pitchFamily="18" charset="0"/>
+                                      <a:ea typeface="DengXian" panose="02010600030101010101" pitchFamily="2" charset="-122"/>
+                                      <a:cs typeface="Times New Roman" panose="02020603050405020304" pitchFamily="18" charset="0"/>
+                                    </a:rPr>
+                                    <m:t>1</m:t>
+                                  </m:r>
+                                  <m:r>
+                                    <a:rPr lang="en-US" sz="1800" i="1">
+                                      <a:solidFill>
+                                        <a:schemeClr val="tx1"/>
+                                      </a:solidFill>
+                                      <a:effectLst/>
+                                      <a:latin typeface="Cambria Math" panose="02040503050406030204" pitchFamily="18" charset="0"/>
+                                      <a:ea typeface="DengXian" panose="02010600030101010101" pitchFamily="2" charset="-122"/>
+                                      <a:cs typeface="Times New Roman" panose="02020603050405020304" pitchFamily="18" charset="0"/>
+                                    </a:rPr>
+                                    <m:t>.</m:t>
+                                  </m:r>
+                                  <m:r>
+                                    <a:rPr lang="en-US" sz="1800" i="1">
+                                      <a:solidFill>
+                                        <a:schemeClr val="tx1"/>
+                                      </a:solidFill>
+                                      <a:effectLst/>
+                                      <a:latin typeface="Cambria Math" panose="02040503050406030204" pitchFamily="18" charset="0"/>
+                                      <a:ea typeface="DengXian" panose="02010600030101010101" pitchFamily="2" charset="-122"/>
+                                      <a:cs typeface="Times New Roman" panose="02020603050405020304" pitchFamily="18" charset="0"/>
+                                    </a:rPr>
+                                    <m:t>1</m:t>
+                                  </m:r>
+                                  <m:r>
+                                    <a:rPr lang="en-US" sz="1800" i="1">
+                                      <a:solidFill>
+                                        <a:schemeClr val="tx1"/>
+                                      </a:solidFill>
+                                      <a:effectLst/>
+                                      <a:latin typeface="Cambria Math" panose="02040503050406030204" pitchFamily="18" charset="0"/>
+                                      <a:ea typeface="DengXian" panose="02010600030101010101" pitchFamily="2" charset="-122"/>
+                                      <a:cs typeface="Times New Roman" panose="02020603050405020304" pitchFamily="18" charset="0"/>
+                                    </a:rPr>
+                                    <m:t>+</m:t>
+                                  </m:r>
+                                  <m:r>
+                                    <a:rPr lang="en-US" sz="1800" i="1">
+                                      <a:solidFill>
+                                        <a:schemeClr val="tx1"/>
+                                      </a:solidFill>
+                                      <a:effectLst/>
+                                      <a:latin typeface="Cambria Math" panose="02040503050406030204" pitchFamily="18" charset="0"/>
+                                      <a:ea typeface="DengXian" panose="02010600030101010101" pitchFamily="2" charset="-122"/>
+                                      <a:cs typeface="Times New Roman" panose="02020603050405020304" pitchFamily="18" charset="0"/>
+                                    </a:rPr>
+                                    <m:t>1</m:t>
+                                  </m:r>
+                                  <m:r>
+                                    <a:rPr lang="en-US" sz="1800" i="1">
+                                      <a:solidFill>
+                                        <a:schemeClr val="tx1"/>
+                                      </a:solidFill>
+                                      <a:effectLst/>
+                                      <a:latin typeface="Cambria Math" panose="02040503050406030204" pitchFamily="18" charset="0"/>
+                                      <a:ea typeface="DengXian" panose="02010600030101010101" pitchFamily="2" charset="-122"/>
+                                      <a:cs typeface="Times New Roman" panose="02020603050405020304" pitchFamily="18" charset="0"/>
+                                    </a:rPr>
+                                    <m:t>+</m:t>
+                                  </m:r>
+                                  <m:r>
+                                    <a:rPr lang="en-US" sz="1800" i="1">
+                                      <a:solidFill>
+                                        <a:schemeClr val="tx1"/>
+                                      </a:solidFill>
+                                      <a:effectLst/>
+                                      <a:latin typeface="Cambria Math" panose="02040503050406030204" pitchFamily="18" charset="0"/>
+                                      <a:ea typeface="DengXian" panose="02010600030101010101" pitchFamily="2" charset="-122"/>
+                                      <a:cs typeface="Times New Roman" panose="02020603050405020304" pitchFamily="18" charset="0"/>
+                                    </a:rPr>
+                                    <m:t>1</m:t>
                                   </m:r>
                                 </m:e>
                               </m:d>
@@ -17398,7 +18199,115 @@
                                       <a:ea typeface="DengXian" panose="02010600030101010101" pitchFamily="2" charset="-122"/>
                                       <a:cs typeface="Times New Roman" panose="02020603050405020304" pitchFamily="18" charset="0"/>
                                     </a:rPr>
-                                    <m:t>−1−1+1+1.1</m:t>
+                                    <m:t>−</m:t>
+                                  </m:r>
+                                  <m:r>
+                                    <a:rPr lang="en-US" sz="1800" i="1">
+                                      <a:solidFill>
+                                        <a:schemeClr val="tx1"/>
+                                      </a:solidFill>
+                                      <a:effectLst/>
+                                      <a:latin typeface="Cambria Math" panose="02040503050406030204" pitchFamily="18" charset="0"/>
+                                      <a:ea typeface="DengXian" panose="02010600030101010101" pitchFamily="2" charset="-122"/>
+                                      <a:cs typeface="Times New Roman" panose="02020603050405020304" pitchFamily="18" charset="0"/>
+                                    </a:rPr>
+                                    <m:t>1</m:t>
+                                  </m:r>
+                                  <m:r>
+                                    <a:rPr lang="en-US" sz="1800" i="1">
+                                      <a:solidFill>
+                                        <a:schemeClr val="tx1"/>
+                                      </a:solidFill>
+                                      <a:effectLst/>
+                                      <a:latin typeface="Cambria Math" panose="02040503050406030204" pitchFamily="18" charset="0"/>
+                                      <a:ea typeface="DengXian" panose="02010600030101010101" pitchFamily="2" charset="-122"/>
+                                      <a:cs typeface="Times New Roman" panose="02020603050405020304" pitchFamily="18" charset="0"/>
+                                    </a:rPr>
+                                    <m:t>−</m:t>
+                                  </m:r>
+                                  <m:r>
+                                    <a:rPr lang="en-US" sz="1800" i="1">
+                                      <a:solidFill>
+                                        <a:schemeClr val="tx1"/>
+                                      </a:solidFill>
+                                      <a:effectLst/>
+                                      <a:latin typeface="Cambria Math" panose="02040503050406030204" pitchFamily="18" charset="0"/>
+                                      <a:ea typeface="DengXian" panose="02010600030101010101" pitchFamily="2" charset="-122"/>
+                                      <a:cs typeface="Times New Roman" panose="02020603050405020304" pitchFamily="18" charset="0"/>
+                                    </a:rPr>
+                                    <m:t>1</m:t>
+                                  </m:r>
+                                  <m:r>
+                                    <a:rPr lang="en-US" sz="1800" i="1">
+                                      <a:solidFill>
+                                        <a:schemeClr val="tx1"/>
+                                      </a:solidFill>
+                                      <a:effectLst/>
+                                      <a:latin typeface="Cambria Math" panose="02040503050406030204" pitchFamily="18" charset="0"/>
+                                      <a:ea typeface="DengXian" panose="02010600030101010101" pitchFamily="2" charset="-122"/>
+                                      <a:cs typeface="Times New Roman" panose="02020603050405020304" pitchFamily="18" charset="0"/>
+                                    </a:rPr>
+                                    <m:t>+</m:t>
+                                  </m:r>
+                                  <m:r>
+                                    <a:rPr lang="en-US" sz="1800" i="1">
+                                      <a:solidFill>
+                                        <a:schemeClr val="tx1"/>
+                                      </a:solidFill>
+                                      <a:effectLst/>
+                                      <a:latin typeface="Cambria Math" panose="02040503050406030204" pitchFamily="18" charset="0"/>
+                                      <a:ea typeface="DengXian" panose="02010600030101010101" pitchFamily="2" charset="-122"/>
+                                      <a:cs typeface="Times New Roman" panose="02020603050405020304" pitchFamily="18" charset="0"/>
+                                    </a:rPr>
+                                    <m:t>1</m:t>
+                                  </m:r>
+                                  <m:r>
+                                    <a:rPr lang="en-US" sz="1800" i="1">
+                                      <a:solidFill>
+                                        <a:schemeClr val="tx1"/>
+                                      </a:solidFill>
+                                      <a:effectLst/>
+                                      <a:latin typeface="Cambria Math" panose="02040503050406030204" pitchFamily="18" charset="0"/>
+                                      <a:ea typeface="DengXian" panose="02010600030101010101" pitchFamily="2" charset="-122"/>
+                                      <a:cs typeface="Times New Roman" panose="02020603050405020304" pitchFamily="18" charset="0"/>
+                                    </a:rPr>
+                                    <m:t>+</m:t>
+                                  </m:r>
+                                  <m:r>
+                                    <a:rPr lang="en-US" sz="1800" i="1">
+                                      <a:solidFill>
+                                        <a:schemeClr val="tx1"/>
+                                      </a:solidFill>
+                                      <a:effectLst/>
+                                      <a:latin typeface="Cambria Math" panose="02040503050406030204" pitchFamily="18" charset="0"/>
+                                      <a:ea typeface="DengXian" panose="02010600030101010101" pitchFamily="2" charset="-122"/>
+                                      <a:cs typeface="Times New Roman" panose="02020603050405020304" pitchFamily="18" charset="0"/>
+                                    </a:rPr>
+                                    <m:t>1</m:t>
+                                  </m:r>
+                                  <m:r>
+                                    <a:rPr lang="en-US" sz="1800" i="1">
+                                      <a:solidFill>
+                                        <a:schemeClr val="tx1"/>
+                                      </a:solidFill>
+                                      <a:effectLst/>
+                                      <a:latin typeface="Cambria Math" panose="02040503050406030204" pitchFamily="18" charset="0"/>
+                                      <a:ea typeface="DengXian" panose="02010600030101010101" pitchFamily="2" charset="-122"/>
+                                      <a:cs typeface="Times New Roman" panose="02020603050405020304" pitchFamily="18" charset="0"/>
+                                    </a:rPr>
+                                    <m:t>.</m:t>
+                                  </m:r>
+                                  <m:r>
+                                    <a:rPr lang="en-US" sz="1800" i="1">
+                                      <a:solidFill>
+                                        <a:schemeClr val="tx1"/>
+                                      </a:solidFill>
+                                      <a:effectLst/>
+                                      <a:latin typeface="Cambria Math" panose="02040503050406030204" pitchFamily="18" charset="0"/>
+                                      <a:ea typeface="DengXian" panose="02010600030101010101" pitchFamily="2" charset="-122"/>
+                                      <a:cs typeface="Times New Roman" panose="02020603050405020304" pitchFamily="18" charset="0"/>
+                                    </a:rPr>
+                                    <m:t>1</m:t>
                                   </m:r>
                                 </m:e>
                               </m:d>
@@ -17416,7 +18325,31 @@
                           <a:ea typeface="DengXian" panose="02010600030101010101" pitchFamily="2" charset="-122"/>
                           <a:cs typeface="Times New Roman" panose="02020603050405020304" pitchFamily="18" charset="0"/>
                         </a:rPr>
-                        <m:t>=100%</m:t>
+                        <m:t>=</m:t>
+                      </m:r>
+                      <m:r>
+                        <a:rPr lang="en-US" sz="1800" i="1">
+                          <a:solidFill>
+                            <a:schemeClr val="tx1"/>
+                          </a:solidFill>
+                          <a:effectLst/>
+                          <a:latin typeface="Cambria Math" panose="02040503050406030204" pitchFamily="18" charset="0"/>
+                          <a:ea typeface="DengXian" panose="02010600030101010101" pitchFamily="2" charset="-122"/>
+                          <a:cs typeface="Times New Roman" panose="02020603050405020304" pitchFamily="18" charset="0"/>
+                        </a:rPr>
+                        <m:t>100</m:t>
+                      </m:r>
+                      <m:r>
+                        <a:rPr lang="en-US" sz="1800" i="1">
+                          <a:solidFill>
+                            <a:schemeClr val="tx1"/>
+                          </a:solidFill>
+                          <a:effectLst/>
+                          <a:latin typeface="Cambria Math" panose="02040503050406030204" pitchFamily="18" charset="0"/>
+                          <a:ea typeface="DengXian" panose="02010600030101010101" pitchFamily="2" charset="-122"/>
+                          <a:cs typeface="Times New Roman" panose="02020603050405020304" pitchFamily="18" charset="0"/>
+                        </a:rPr>
+                        <m:t>%</m:t>
                       </m:r>
                     </m:oMath>
                   </m:oMathPara>
@@ -17905,7 +18838,106 @@
                                       <a:latin typeface="Cambria Math" panose="02040503050406030204" pitchFamily="18" charset="0"/>
                                       <a:ea typeface="DengXian" panose="02010600030101010101" pitchFamily="2" charset="-122"/>
                                     </a:rPr>
-                                    <m:t>−1−1+1+1.1</m:t>
+                                    <m:t>−</m:t>
+                                  </m:r>
+                                  <m:r>
+                                    <a:rPr lang="en-US" sz="1800" i="1">
+                                      <a:solidFill>
+                                        <a:schemeClr val="tx1"/>
+                                      </a:solidFill>
+                                      <a:effectLst/>
+                                      <a:latin typeface="Cambria Math" panose="02040503050406030204" pitchFamily="18" charset="0"/>
+                                      <a:ea typeface="DengXian" panose="02010600030101010101" pitchFamily="2" charset="-122"/>
+                                    </a:rPr>
+                                    <m:t>1</m:t>
+                                  </m:r>
+                                  <m:r>
+                                    <a:rPr lang="en-US" sz="1800" i="1">
+                                      <a:solidFill>
+                                        <a:schemeClr val="tx1"/>
+                                      </a:solidFill>
+                                      <a:effectLst/>
+                                      <a:latin typeface="Cambria Math" panose="02040503050406030204" pitchFamily="18" charset="0"/>
+                                      <a:ea typeface="DengXian" panose="02010600030101010101" pitchFamily="2" charset="-122"/>
+                                    </a:rPr>
+                                    <m:t>−</m:t>
+                                  </m:r>
+                                  <m:r>
+                                    <a:rPr lang="en-US" sz="1800" i="1">
+                                      <a:solidFill>
+                                        <a:schemeClr val="tx1"/>
+                                      </a:solidFill>
+                                      <a:effectLst/>
+                                      <a:latin typeface="Cambria Math" panose="02040503050406030204" pitchFamily="18" charset="0"/>
+                                      <a:ea typeface="DengXian" panose="02010600030101010101" pitchFamily="2" charset="-122"/>
+                                    </a:rPr>
+                                    <m:t>1</m:t>
+                                  </m:r>
+                                  <m:r>
+                                    <a:rPr lang="en-US" sz="1800" i="1">
+                                      <a:solidFill>
+                                        <a:schemeClr val="tx1"/>
+                                      </a:solidFill>
+                                      <a:effectLst/>
+                                      <a:latin typeface="Cambria Math" panose="02040503050406030204" pitchFamily="18" charset="0"/>
+                                      <a:ea typeface="DengXian" panose="02010600030101010101" pitchFamily="2" charset="-122"/>
+                                    </a:rPr>
+                                    <m:t>+</m:t>
+                                  </m:r>
+                                  <m:r>
+                                    <a:rPr lang="en-US" sz="1800" i="1">
+                                      <a:solidFill>
+                                        <a:schemeClr val="tx1"/>
+                                      </a:solidFill>
+                                      <a:effectLst/>
+                                      <a:latin typeface="Cambria Math" panose="02040503050406030204" pitchFamily="18" charset="0"/>
+                                      <a:ea typeface="DengXian" panose="02010600030101010101" pitchFamily="2" charset="-122"/>
+                                    </a:rPr>
+                                    <m:t>1</m:t>
+                                  </m:r>
+                                  <m:r>
+                                    <a:rPr lang="en-US" sz="1800" i="1">
+                                      <a:solidFill>
+                                        <a:schemeClr val="tx1"/>
+                                      </a:solidFill>
+                                      <a:effectLst/>
+                                      <a:latin typeface="Cambria Math" panose="02040503050406030204" pitchFamily="18" charset="0"/>
+                                      <a:ea typeface="DengXian" panose="02010600030101010101" pitchFamily="2" charset="-122"/>
+                                    </a:rPr>
+                                    <m:t>+</m:t>
+                                  </m:r>
+                                  <m:r>
+                                    <a:rPr lang="en-US" sz="1800" i="1">
+                                      <a:solidFill>
+                                        <a:schemeClr val="tx1"/>
+                                      </a:solidFill>
+                                      <a:effectLst/>
+                                      <a:latin typeface="Cambria Math" panose="02040503050406030204" pitchFamily="18" charset="0"/>
+                                      <a:ea typeface="DengXian" panose="02010600030101010101" pitchFamily="2" charset="-122"/>
+                                    </a:rPr>
+                                    <m:t>1</m:t>
+                                  </m:r>
+                                  <m:r>
+                                    <a:rPr lang="en-US" sz="1800" i="1">
+                                      <a:solidFill>
+                                        <a:schemeClr val="tx1"/>
+                                      </a:solidFill>
+                                      <a:effectLst/>
+                                      <a:latin typeface="Cambria Math" panose="02040503050406030204" pitchFamily="18" charset="0"/>
+                                      <a:ea typeface="DengXian" panose="02010600030101010101" pitchFamily="2" charset="-122"/>
+                                    </a:rPr>
+                                    <m:t>.</m:t>
+                                  </m:r>
+                                  <m:r>
+                                    <a:rPr lang="en-US" sz="1800" i="1">
+                                      <a:solidFill>
+                                        <a:schemeClr val="tx1"/>
+                                      </a:solidFill>
+                                      <a:effectLst/>
+                                      <a:latin typeface="Cambria Math" panose="02040503050406030204" pitchFamily="18" charset="0"/>
+                                      <a:ea typeface="DengXian" panose="02010600030101010101" pitchFamily="2" charset="-122"/>
+                                    </a:rPr>
+                                    <m:t>1</m:t>
                                   </m:r>
                                 </m:e>
                               </m:d>
@@ -17942,7 +18974,128 @@
                                       <a:latin typeface="Cambria Math" panose="02040503050406030204" pitchFamily="18" charset="0"/>
                                       <a:ea typeface="DengXian" panose="02010600030101010101" pitchFamily="2" charset="-122"/>
                                     </a:rPr>
-                                    <m:t>−0.9−1.1+1+1</m:t>
+                                    <m:t>−</m:t>
+                                  </m:r>
+                                  <m:r>
+                                    <a:rPr lang="en-US" sz="1800" i="1">
+                                      <a:solidFill>
+                                        <a:schemeClr val="tx1"/>
+                                      </a:solidFill>
+                                      <a:effectLst/>
+                                      <a:latin typeface="Cambria Math" panose="02040503050406030204" pitchFamily="18" charset="0"/>
+                                      <a:ea typeface="DengXian" panose="02010600030101010101" pitchFamily="2" charset="-122"/>
+                                    </a:rPr>
+                                    <m:t>0</m:t>
+                                  </m:r>
+                                  <m:r>
+                                    <a:rPr lang="en-US" sz="1800" i="1">
+                                      <a:solidFill>
+                                        <a:schemeClr val="tx1"/>
+                                      </a:solidFill>
+                                      <a:effectLst/>
+                                      <a:latin typeface="Cambria Math" panose="02040503050406030204" pitchFamily="18" charset="0"/>
+                                      <a:ea typeface="DengXian" panose="02010600030101010101" pitchFamily="2" charset="-122"/>
+                                    </a:rPr>
+                                    <m:t>.</m:t>
+                                  </m:r>
+                                  <m:r>
+                                    <a:rPr lang="en-US" sz="1800" i="1">
+                                      <a:solidFill>
+                                        <a:schemeClr val="tx1"/>
+                                      </a:solidFill>
+                                      <a:effectLst/>
+                                      <a:latin typeface="Cambria Math" panose="02040503050406030204" pitchFamily="18" charset="0"/>
+                                      <a:ea typeface="DengXian" panose="02010600030101010101" pitchFamily="2" charset="-122"/>
+                                    </a:rPr>
+                                    <m:t>9</m:t>
+                                  </m:r>
+                                  <m:r>
+                                    <a:rPr lang="en-US" sz="1800" i="1">
+                                      <a:solidFill>
+                                        <a:schemeClr val="tx1"/>
+                                      </a:solidFill>
+                                      <a:effectLst/>
+                                      <a:latin typeface="Cambria Math" panose="02040503050406030204" pitchFamily="18" charset="0"/>
+                                      <a:ea typeface="DengXian" panose="02010600030101010101" pitchFamily="2" charset="-122"/>
+                                    </a:rPr>
+                                    <m:t>−</m:t>
+                                  </m:r>
+                                  <m:r>
+                                    <a:rPr lang="en-US" sz="1800" i="1">
+                                      <a:solidFill>
+                                        <a:schemeClr val="tx1"/>
+                                      </a:solidFill>
+                                      <a:effectLst/>
+                                      <a:latin typeface="Cambria Math" panose="02040503050406030204" pitchFamily="18" charset="0"/>
+                                      <a:ea typeface="DengXian" panose="02010600030101010101" pitchFamily="2" charset="-122"/>
+                                    </a:rPr>
+                                    <m:t>1</m:t>
+                                  </m:r>
+                                  <m:r>
+                                    <a:rPr lang="en-US" sz="1800" i="1">
+                                      <a:solidFill>
+                                        <a:schemeClr val="tx1"/>
+                                      </a:solidFill>
+                                      <a:effectLst/>
+                                      <a:latin typeface="Cambria Math" panose="02040503050406030204" pitchFamily="18" charset="0"/>
+                                      <a:ea typeface="DengXian" panose="02010600030101010101" pitchFamily="2" charset="-122"/>
+                                    </a:rPr>
+                                    <m:t>.</m:t>
+                                  </m:r>
+                                  <m:r>
+                                    <a:rPr lang="en-US" sz="1800" i="1">
+                                      <a:solidFill>
+                                        <a:schemeClr val="tx1"/>
+                                      </a:solidFill>
+                                      <a:effectLst/>
+                                      <a:latin typeface="Cambria Math" panose="02040503050406030204" pitchFamily="18" charset="0"/>
+                                      <a:ea typeface="DengXian" panose="02010600030101010101" pitchFamily="2" charset="-122"/>
+                                    </a:rPr>
+                                    <m:t>1</m:t>
+                                  </m:r>
+                                  <m:r>
+                                    <a:rPr lang="en-US" sz="1800" i="1">
+                                      <a:solidFill>
+                                        <a:schemeClr val="tx1"/>
+                                      </a:solidFill>
+                                      <a:effectLst/>
+                                      <a:latin typeface="Cambria Math" panose="02040503050406030204" pitchFamily="18" charset="0"/>
+                                      <a:ea typeface="DengXian" panose="02010600030101010101" pitchFamily="2" charset="-122"/>
+                                    </a:rPr>
+                                    <m:t>+</m:t>
+                                  </m:r>
+                                  <m:r>
+                                    <a:rPr lang="en-US" sz="1800" i="1">
+                                      <a:solidFill>
+                                        <a:schemeClr val="tx1"/>
+                                      </a:solidFill>
+                                      <a:effectLst/>
+                                      <a:latin typeface="Cambria Math" panose="02040503050406030204" pitchFamily="18" charset="0"/>
+                                      <a:ea typeface="DengXian" panose="02010600030101010101" pitchFamily="2" charset="-122"/>
+                                    </a:rPr>
+                                    <m:t>1</m:t>
+                                  </m:r>
+                                  <m:r>
+                                    <a:rPr lang="en-US" sz="1800" i="1">
+                                      <a:solidFill>
+                                        <a:schemeClr val="tx1"/>
+                                      </a:solidFill>
+                                      <a:effectLst/>
+                                      <a:latin typeface="Cambria Math" panose="02040503050406030204" pitchFamily="18" charset="0"/>
+                                      <a:ea typeface="DengXian" panose="02010600030101010101" pitchFamily="2" charset="-122"/>
+                                    </a:rPr>
+                                    <m:t>+</m:t>
+                                  </m:r>
+                                  <m:r>
+                                    <a:rPr lang="en-US" sz="1800" i="1">
+                                      <a:solidFill>
+                                        <a:schemeClr val="tx1"/>
+                                      </a:solidFill>
+                                      <a:effectLst/>
+                                      <a:latin typeface="Cambria Math" panose="02040503050406030204" pitchFamily="18" charset="0"/>
+                                      <a:ea typeface="DengXian" panose="02010600030101010101" pitchFamily="2" charset="-122"/>
+                                    </a:rPr>
+                                    <m:t>1</m:t>
                                   </m:r>
                                 </m:e>
                               </m:d>
@@ -17981,7 +19134,29 @@
                                       <a:latin typeface="Cambria Math" panose="02040503050406030204" pitchFamily="18" charset="0"/>
                                       <a:ea typeface="DengXian" panose="02010600030101010101" pitchFamily="2" charset="-122"/>
                                     </a:rPr>
-                                    <m:t>(−1)+</m:t>
+                                    <m:t>(−</m:t>
+                                  </m:r>
+                                  <m:r>
+                                    <a:rPr lang="en-US" sz="1800" i="1">
+                                      <a:solidFill>
+                                        <a:schemeClr val="tx1"/>
+                                      </a:solidFill>
+                                      <a:effectLst/>
+                                      <a:latin typeface="Cambria Math" panose="02040503050406030204" pitchFamily="18" charset="0"/>
+                                      <a:ea typeface="DengXian" panose="02010600030101010101" pitchFamily="2" charset="-122"/>
+                                    </a:rPr>
+                                    <m:t>1</m:t>
+                                  </m:r>
+                                  <m:r>
+                                    <a:rPr lang="en-US" sz="1800" i="1">
+                                      <a:solidFill>
+                                        <a:schemeClr val="tx1"/>
+                                      </a:solidFill>
+                                      <a:effectLst/>
+                                      <a:latin typeface="Cambria Math" panose="02040503050406030204" pitchFamily="18" charset="0"/>
+                                      <a:ea typeface="DengXian" panose="02010600030101010101" pitchFamily="2" charset="-122"/>
+                                    </a:rPr>
+                                    <m:t>)+</m:t>
                                   </m:r>
                                   <m:r>
                                     <a:rPr lang="en-US" sz="1800" i="1">
@@ -18003,7 +19178,29 @@
                                       <a:latin typeface="Cambria Math" panose="02040503050406030204" pitchFamily="18" charset="0"/>
                                       <a:ea typeface="DengXian" panose="02010600030101010101" pitchFamily="2" charset="-122"/>
                                     </a:rPr>
-                                    <m:t>(−1)+</m:t>
+                                    <m:t>(−</m:t>
+                                  </m:r>
+                                  <m:r>
+                                    <a:rPr lang="en-US" sz="1800" i="1">
+                                      <a:solidFill>
+                                        <a:schemeClr val="tx1"/>
+                                      </a:solidFill>
+                                      <a:effectLst/>
+                                      <a:latin typeface="Cambria Math" panose="02040503050406030204" pitchFamily="18" charset="0"/>
+                                      <a:ea typeface="DengXian" panose="02010600030101010101" pitchFamily="2" charset="-122"/>
+                                    </a:rPr>
+                                    <m:t>1</m:t>
+                                  </m:r>
+                                  <m:r>
+                                    <a:rPr lang="en-US" sz="1800" i="1">
+                                      <a:solidFill>
+                                        <a:schemeClr val="tx1"/>
+                                      </a:solidFill>
+                                      <a:effectLst/>
+                                      <a:latin typeface="Cambria Math" panose="02040503050406030204" pitchFamily="18" charset="0"/>
+                                      <a:ea typeface="DengXian" panose="02010600030101010101" pitchFamily="2" charset="-122"/>
+                                    </a:rPr>
+                                    <m:t>)+</m:t>
                                   </m:r>
                                   <m:r>
                                     <a:rPr lang="en-US" sz="1800" i="1">
@@ -18025,7 +19222,29 @@
                                       <a:latin typeface="Cambria Math" panose="02040503050406030204" pitchFamily="18" charset="0"/>
                                       <a:ea typeface="DengXian" panose="02010600030101010101" pitchFamily="2" charset="-122"/>
                                     </a:rPr>
-                                    <m:t>(1)+</m:t>
+                                    <m:t>(</m:t>
+                                  </m:r>
+                                  <m:r>
+                                    <a:rPr lang="en-US" sz="1800" i="1">
+                                      <a:solidFill>
+                                        <a:schemeClr val="tx1"/>
+                                      </a:solidFill>
+                                      <a:effectLst/>
+                                      <a:latin typeface="Cambria Math" panose="02040503050406030204" pitchFamily="18" charset="0"/>
+                                      <a:ea typeface="DengXian" panose="02010600030101010101" pitchFamily="2" charset="-122"/>
+                                    </a:rPr>
+                                    <m:t>1</m:t>
+                                  </m:r>
+                                  <m:r>
+                                    <a:rPr lang="en-US" sz="1800" i="1">
+                                      <a:solidFill>
+                                        <a:schemeClr val="tx1"/>
+                                      </a:solidFill>
+                                      <a:effectLst/>
+                                      <a:latin typeface="Cambria Math" panose="02040503050406030204" pitchFamily="18" charset="0"/>
+                                      <a:ea typeface="DengXian" panose="02010600030101010101" pitchFamily="2" charset="-122"/>
+                                    </a:rPr>
+                                    <m:t>)+</m:t>
                                   </m:r>
                                   <m:r>
                                     <a:rPr lang="en-US" sz="1800" i="1">
@@ -18047,7 +19266,51 @@
                                       <a:latin typeface="Cambria Math" panose="02040503050406030204" pitchFamily="18" charset="0"/>
                                       <a:ea typeface="DengXian" panose="02010600030101010101" pitchFamily="2" charset="-122"/>
                                     </a:rPr>
-                                    <m:t>(1.1)</m:t>
+                                    <m:t>(</m:t>
+                                  </m:r>
+                                  <m:r>
+                                    <a:rPr lang="en-US" sz="1800" i="1">
+                                      <a:solidFill>
+                                        <a:schemeClr val="tx1"/>
+                                      </a:solidFill>
+                                      <a:effectLst/>
+                                      <a:latin typeface="Cambria Math" panose="02040503050406030204" pitchFamily="18" charset="0"/>
+                                      <a:ea typeface="DengXian" panose="02010600030101010101" pitchFamily="2" charset="-122"/>
+                                    </a:rPr>
+                                    <m:t>1</m:t>
+                                  </m:r>
+                                  <m:r>
+                                    <a:rPr lang="en-US" sz="1800" i="1">
+                                      <a:solidFill>
+                                        <a:schemeClr val="tx1"/>
+                                      </a:solidFill>
+                                      <a:effectLst/>
+                                      <a:latin typeface="Cambria Math" panose="02040503050406030204" pitchFamily="18" charset="0"/>
+                                      <a:ea typeface="DengXian" panose="02010600030101010101" pitchFamily="2" charset="-122"/>
+                                    </a:rPr>
+                                    <m:t>.</m:t>
+                                  </m:r>
+                                  <m:r>
+                                    <a:rPr lang="en-US" sz="1800" i="1">
+                                      <a:solidFill>
+                                        <a:schemeClr val="tx1"/>
+                                      </a:solidFill>
+                                      <a:effectLst/>
+                                      <a:latin typeface="Cambria Math" panose="02040503050406030204" pitchFamily="18" charset="0"/>
+                                      <a:ea typeface="DengXian" panose="02010600030101010101" pitchFamily="2" charset="-122"/>
+                                    </a:rPr>
+                                    <m:t>1</m:t>
+                                  </m:r>
+                                  <m:r>
+                                    <a:rPr lang="en-US" sz="1800" i="1">
+                                      <a:solidFill>
+                                        <a:schemeClr val="tx1"/>
+                                      </a:solidFill>
+                                      <a:effectLst/>
+                                      <a:latin typeface="Cambria Math" panose="02040503050406030204" pitchFamily="18" charset="0"/>
+                                      <a:ea typeface="DengXian" panose="02010600030101010101" pitchFamily="2" charset="-122"/>
+                                    </a:rPr>
+                                    <m:t>)</m:t>
                                   </m:r>
                                 </m:e>
                               </m:d>
@@ -18064,7 +19327,51 @@
                           <a:latin typeface="Cambria Math" panose="02040503050406030204" pitchFamily="18" charset="0"/>
                           <a:ea typeface="DengXian" panose="02010600030101010101" pitchFamily="2" charset="-122"/>
                         </a:rPr>
-                        <m:t>=2.44%</m:t>
+                        <m:t>=</m:t>
+                      </m:r>
+                      <m:r>
+                        <a:rPr lang="en-US" sz="1800" i="1">
+                          <a:solidFill>
+                            <a:schemeClr val="tx1"/>
+                          </a:solidFill>
+                          <a:effectLst/>
+                          <a:latin typeface="Cambria Math" panose="02040503050406030204" pitchFamily="18" charset="0"/>
+                          <a:ea typeface="DengXian" panose="02010600030101010101" pitchFamily="2" charset="-122"/>
+                        </a:rPr>
+                        <m:t>2</m:t>
+                      </m:r>
+                      <m:r>
+                        <a:rPr lang="en-US" sz="1800" i="1">
+                          <a:solidFill>
+                            <a:schemeClr val="tx1"/>
+                          </a:solidFill>
+                          <a:effectLst/>
+                          <a:latin typeface="Cambria Math" panose="02040503050406030204" pitchFamily="18" charset="0"/>
+                          <a:ea typeface="DengXian" panose="02010600030101010101" pitchFamily="2" charset="-122"/>
+                        </a:rPr>
+                        <m:t>.</m:t>
+                      </m:r>
+                      <m:r>
+                        <a:rPr lang="en-US" sz="1800" i="1">
+                          <a:solidFill>
+                            <a:schemeClr val="tx1"/>
+                          </a:solidFill>
+                          <a:effectLst/>
+                          <a:latin typeface="Cambria Math" panose="02040503050406030204" pitchFamily="18" charset="0"/>
+                          <a:ea typeface="DengXian" panose="02010600030101010101" pitchFamily="2" charset="-122"/>
+                        </a:rPr>
+                        <m:t>44</m:t>
+                      </m:r>
+                      <m:r>
+                        <a:rPr lang="en-US" sz="1800" i="1">
+                          <a:solidFill>
+                            <a:schemeClr val="tx1"/>
+                          </a:solidFill>
+                          <a:effectLst/>
+                          <a:latin typeface="Cambria Math" panose="02040503050406030204" pitchFamily="18" charset="0"/>
+                          <a:ea typeface="DengXian" panose="02010600030101010101" pitchFamily="2" charset="-122"/>
+                        </a:rPr>
+                        <m:t>%</m:t>
                       </m:r>
                     </m:oMath>
                   </m:oMathPara>
@@ -18824,12 +20131,20 @@
           <a:lstStyle/>
           <a:p>
             <a:r>
+              <a:rPr lang="en-US" sz="2000" b="1" dirty="0">
+                <a:solidFill>
+                  <a:schemeClr val="tx1"/>
+                </a:solidFill>
+              </a:rPr>
+              <a:t>This</a:t>
+            </a:r>
+            <a:r>
               <a:rPr lang="en-US" sz="2000" dirty="0">
                 <a:solidFill>
                   <a:schemeClr val="tx1"/>
                 </a:solidFill>
               </a:rPr>
-              <a:t>This study:</a:t>
+              <a:t> study:</a:t>
             </a:r>
             <a:br>
               <a:rPr lang="en-US" sz="2000" dirty="0">
@@ -19496,141 +20811,407 @@
           </a:p>
         </p:txBody>
       </p:sp>
-      <p:sp>
-        <p:nvSpPr>
-          <p:cNvPr id="10" name="TextBox 9">
-            <a:extLst>
-              <a:ext uri="{FF2B5EF4-FFF2-40B4-BE49-F238E27FC236}">
-                <a16:creationId xmlns:a16="http://schemas.microsoft.com/office/drawing/2014/main" id="{95F48075-40DF-70E1-09F7-7BE5EF78A4BC}"/>
-              </a:ext>
-            </a:extLst>
-          </p:cNvPr>
-          <p:cNvSpPr txBox="1"/>
-          <p:nvPr/>
-        </p:nvSpPr>
-        <p:spPr>
-          <a:xfrm>
-            <a:off x="222597" y="3715518"/>
-            <a:ext cx="1369286" cy="307777"/>
-          </a:xfrm>
-          <a:prstGeom prst="rect">
-            <a:avLst/>
-          </a:prstGeom>
-          <a:noFill/>
-          <a:ln>
-            <a:solidFill>
-              <a:schemeClr val="tx1"/>
-            </a:solidFill>
-            <a:prstDash val="dash"/>
-          </a:ln>
-        </p:spPr>
-        <p:txBody>
-          <a:bodyPr wrap="none" rtlCol="0">
-            <a:spAutoFit/>
-          </a:bodyPr>
-          <a:lstStyle/>
-          <a:p>
-            <a:r>
-              <a:rPr lang="en-US" sz="1400" dirty="0">
+      <mc:AlternateContent xmlns:mc="http://schemas.openxmlformats.org/markup-compatibility/2006">
+        <mc:Choice xmlns:a14="http://schemas.microsoft.com/office/drawing/2010/main" Requires="a14">
+          <p:sp>
+            <p:nvSpPr>
+              <p:cNvPr id="10" name="TextBox 9">
+                <a:extLst>
+                  <a:ext uri="{FF2B5EF4-FFF2-40B4-BE49-F238E27FC236}">
+                    <a16:creationId xmlns:a16="http://schemas.microsoft.com/office/drawing/2014/main" id="{95F48075-40DF-70E1-09F7-7BE5EF78A4BC}"/>
+                  </a:ext>
+                </a:extLst>
+              </p:cNvPr>
+              <p:cNvSpPr txBox="1"/>
+              <p:nvPr/>
+            </p:nvSpPr>
+            <p:spPr>
+              <a:xfrm>
+                <a:off x="141442" y="3700080"/>
+                <a:ext cx="1905842" cy="307777"/>
+              </a:xfrm>
+              <a:prstGeom prst="rect">
+                <a:avLst/>
+              </a:prstGeom>
+              <a:noFill/>
+              <a:ln>
                 <a:solidFill>
                   <a:schemeClr val="tx1"/>
                 </a:solidFill>
-              </a:rPr>
-              <a:t>State variables</a:t>
-            </a:r>
-          </a:p>
-        </p:txBody>
-      </p:sp>
-      <p:sp>
-        <p:nvSpPr>
-          <p:cNvPr id="13" name="TextBox 12">
-            <a:extLst>
-              <a:ext uri="{FF2B5EF4-FFF2-40B4-BE49-F238E27FC236}">
-                <a16:creationId xmlns:a16="http://schemas.microsoft.com/office/drawing/2014/main" id="{6D443401-6145-1A8C-60C4-DF357EDEE2C6}"/>
-              </a:ext>
-            </a:extLst>
-          </p:cNvPr>
-          <p:cNvSpPr txBox="1"/>
-          <p:nvPr/>
-        </p:nvSpPr>
-        <p:spPr>
-          <a:xfrm>
-            <a:off x="3285121" y="4497287"/>
-            <a:ext cx="1338828" cy="307777"/>
-          </a:xfrm>
-          <a:prstGeom prst="rect">
-            <a:avLst/>
-          </a:prstGeom>
-          <a:noFill/>
-          <a:ln>
-            <a:solidFill>
-              <a:schemeClr val="tx1"/>
-            </a:solidFill>
-            <a:prstDash val="dash"/>
-          </a:ln>
-        </p:spPr>
-        <p:txBody>
-          <a:bodyPr wrap="none" rtlCol="0">
-            <a:spAutoFit/>
-          </a:bodyPr>
-          <a:lstStyle/>
-          <a:p>
-            <a:r>
-              <a:rPr lang="en-US" sz="1400" dirty="0">
+                <a:prstDash val="dash"/>
+              </a:ln>
+            </p:spPr>
+            <p:txBody>
+              <a:bodyPr wrap="none" rtlCol="0">
+                <a:spAutoFit/>
+              </a:bodyPr>
+              <a:lstStyle/>
+              <a:p>
+                <a:r>
+                  <a:rPr lang="en-US" sz="1400" dirty="0">
+                    <a:solidFill>
+                      <a:schemeClr val="tx1"/>
+                    </a:solidFill>
+                  </a:rPr>
+                  <a:t>State variables: </a:t>
+                </a:r>
+                <a14:m>
+                  <m:oMath xmlns:m="http://schemas.openxmlformats.org/officeDocument/2006/math">
+                    <m:sSub>
+                      <m:sSubPr>
+                        <m:ctrlPr>
+                          <a:rPr lang="en-US" sz="1400" b="0" i="1" smtClean="0">
+                            <a:solidFill>
+                              <a:schemeClr val="tx1"/>
+                            </a:solidFill>
+                            <a:latin typeface="Cambria Math" panose="02040503050406030204" pitchFamily="18" charset="0"/>
+                          </a:rPr>
+                        </m:ctrlPr>
+                      </m:sSubPr>
+                      <m:e>
+                        <m:r>
+                          <a:rPr lang="en-US" sz="1400" b="0" i="1" smtClean="0">
+                            <a:solidFill>
+                              <a:schemeClr val="tx1"/>
+                            </a:solidFill>
+                            <a:latin typeface="Cambria Math" panose="02040503050406030204" pitchFamily="18" charset="0"/>
+                          </a:rPr>
+                          <m:t>𝑇</m:t>
+                        </m:r>
+                      </m:e>
+                      <m:sub>
+                        <m:r>
+                          <a:rPr lang="en-US" sz="1400" b="0" i="1" smtClean="0">
+                            <a:solidFill>
+                              <a:schemeClr val="tx1"/>
+                            </a:solidFill>
+                            <a:latin typeface="Cambria Math" panose="02040503050406030204" pitchFamily="18" charset="0"/>
+                          </a:rPr>
+                          <m:t>𝑟𝑜𝑜𝑚</m:t>
+                        </m:r>
+                      </m:sub>
+                    </m:sSub>
+                  </m:oMath>
+                </a14:m>
+                <a:endParaRPr lang="en-US" sz="1400" dirty="0">
+                  <a:solidFill>
+                    <a:schemeClr val="tx1"/>
+                  </a:solidFill>
+                </a:endParaRPr>
+              </a:p>
+            </p:txBody>
+          </p:sp>
+        </mc:Choice>
+        <mc:Fallback>
+          <p:sp>
+            <p:nvSpPr>
+              <p:cNvPr id="10" name="TextBox 9">
+                <a:extLst>
+                  <a:ext uri="{FF2B5EF4-FFF2-40B4-BE49-F238E27FC236}">
+                    <a16:creationId xmlns:a16="http://schemas.microsoft.com/office/drawing/2014/main" id="{95F48075-40DF-70E1-09F7-7BE5EF78A4BC}"/>
+                  </a:ext>
+                </a:extLst>
+              </p:cNvPr>
+              <p:cNvSpPr txBox="1">
+                <a:spLocks noRot="1" noChangeAspect="1" noMove="1" noResize="1" noEditPoints="1" noAdjustHandles="1" noChangeArrowheads="1" noChangeShapeType="1" noTextEdit="1"/>
+              </p:cNvSpPr>
+              <p:nvPr/>
+            </p:nvSpPr>
+            <p:spPr>
+              <a:xfrm>
+                <a:off x="141442" y="3700080"/>
+                <a:ext cx="1905842" cy="307777"/>
+              </a:xfrm>
+              <a:prstGeom prst="rect">
+                <a:avLst/>
+              </a:prstGeom>
+              <a:blipFill>
+                <a:blip r:embed="rId5"/>
+                <a:stretch>
+                  <a:fillRect l="-317" t="-1923" b="-17308"/>
+                </a:stretch>
+              </a:blipFill>
+              <a:ln>
                 <a:solidFill>
                   <a:schemeClr val="tx1"/>
                 </a:solidFill>
-              </a:rPr>
-              <a:t>input variables</a:t>
-            </a:r>
-          </a:p>
-        </p:txBody>
-      </p:sp>
-      <p:sp>
-        <p:nvSpPr>
-          <p:cNvPr id="15" name="TextBox 14">
-            <a:extLst>
-              <a:ext uri="{FF2B5EF4-FFF2-40B4-BE49-F238E27FC236}">
-                <a16:creationId xmlns:a16="http://schemas.microsoft.com/office/drawing/2014/main" id="{6A6DD654-2C7E-76F7-E499-708A8A17CE14}"/>
-              </a:ext>
-            </a:extLst>
-          </p:cNvPr>
-          <p:cNvSpPr txBox="1"/>
-          <p:nvPr/>
-        </p:nvSpPr>
-        <p:spPr>
-          <a:xfrm>
-            <a:off x="247813" y="5457775"/>
-            <a:ext cx="1487908" cy="307777"/>
-          </a:xfrm>
-          <a:prstGeom prst="rect">
-            <a:avLst/>
-          </a:prstGeom>
-          <a:noFill/>
-          <a:ln>
-            <a:solidFill>
-              <a:schemeClr val="tx1"/>
-            </a:solidFill>
-            <a:prstDash val="dash"/>
-          </a:ln>
-        </p:spPr>
-        <p:txBody>
-          <a:bodyPr wrap="none" rtlCol="0">
-            <a:spAutoFit/>
-          </a:bodyPr>
-          <a:lstStyle/>
-          <a:p>
-            <a:r>
-              <a:rPr lang="en-US" sz="1400" dirty="0">
+                <a:prstDash val="dash"/>
+              </a:ln>
+            </p:spPr>
+            <p:txBody>
+              <a:bodyPr/>
+              <a:lstStyle/>
+              <a:p>
+                <a:r>
+                  <a:rPr lang="en-US">
+                    <a:noFill/>
+                  </a:rPr>
+                  <a:t> </a:t>
+                </a:r>
+              </a:p>
+            </p:txBody>
+          </p:sp>
+        </mc:Fallback>
+      </mc:AlternateContent>
+      <mc:AlternateContent xmlns:mc="http://schemas.openxmlformats.org/markup-compatibility/2006">
+        <mc:Choice xmlns:a14="http://schemas.microsoft.com/office/drawing/2010/main" Requires="a14">
+          <p:sp>
+            <p:nvSpPr>
+              <p:cNvPr id="13" name="TextBox 12">
+                <a:extLst>
+                  <a:ext uri="{FF2B5EF4-FFF2-40B4-BE49-F238E27FC236}">
+                    <a16:creationId xmlns:a16="http://schemas.microsoft.com/office/drawing/2014/main" id="{6D443401-6145-1A8C-60C4-DF357EDEE2C6}"/>
+                  </a:ext>
+                </a:extLst>
+              </p:cNvPr>
+              <p:cNvSpPr txBox="1"/>
+              <p:nvPr/>
+            </p:nvSpPr>
+            <p:spPr>
+              <a:xfrm>
+                <a:off x="3239432" y="4497287"/>
+                <a:ext cx="1766509" cy="307777"/>
+              </a:xfrm>
+              <a:prstGeom prst="rect">
+                <a:avLst/>
+              </a:prstGeom>
+              <a:noFill/>
+              <a:ln>
                 <a:solidFill>
                   <a:schemeClr val="tx1"/>
                 </a:solidFill>
-              </a:rPr>
-              <a:t>Output variables</a:t>
-            </a:r>
-          </a:p>
-        </p:txBody>
-      </p:sp>
+                <a:prstDash val="dash"/>
+              </a:ln>
+            </p:spPr>
+            <p:txBody>
+              <a:bodyPr wrap="none" rtlCol="0">
+                <a:spAutoFit/>
+              </a:bodyPr>
+              <a:lstStyle/>
+              <a:p>
+                <a:r>
+                  <a:rPr lang="en-US" sz="1400" dirty="0">
+                    <a:solidFill>
+                      <a:schemeClr val="tx1"/>
+                    </a:solidFill>
+                  </a:rPr>
+                  <a:t>Input variables: </a:t>
+                </a:r>
+                <a14:m>
+                  <m:oMath xmlns:m="http://schemas.openxmlformats.org/officeDocument/2006/math">
+                    <m:sSub>
+                      <m:sSubPr>
+                        <m:ctrlPr>
+                          <a:rPr lang="en-US" sz="1400" b="0" i="1" smtClean="0">
+                            <a:solidFill>
+                              <a:schemeClr val="tx1"/>
+                            </a:solidFill>
+                            <a:latin typeface="Cambria Math" panose="02040503050406030204" pitchFamily="18" charset="0"/>
+                          </a:rPr>
+                        </m:ctrlPr>
+                      </m:sSubPr>
+                      <m:e>
+                        <m:r>
+                          <a:rPr lang="en-US" sz="1400" b="0" i="1" smtClean="0">
+                            <a:solidFill>
+                              <a:schemeClr val="tx1"/>
+                            </a:solidFill>
+                            <a:latin typeface="Cambria Math" panose="02040503050406030204" pitchFamily="18" charset="0"/>
+                          </a:rPr>
+                          <m:t>𝑇</m:t>
+                        </m:r>
+                      </m:e>
+                      <m:sub>
+                        <m:r>
+                          <a:rPr lang="en-US" sz="1400" b="0" i="1" smtClean="0">
+                            <a:solidFill>
+                              <a:schemeClr val="tx1"/>
+                            </a:solidFill>
+                            <a:latin typeface="Cambria Math" panose="02040503050406030204" pitchFamily="18" charset="0"/>
+                          </a:rPr>
+                          <m:t>𝑜𝑢𝑡</m:t>
+                        </m:r>
+                      </m:sub>
+                    </m:sSub>
+                  </m:oMath>
+                </a14:m>
+                <a:endParaRPr lang="en-US" sz="1400" dirty="0">
+                  <a:solidFill>
+                    <a:schemeClr val="tx1"/>
+                  </a:solidFill>
+                </a:endParaRPr>
+              </a:p>
+            </p:txBody>
+          </p:sp>
+        </mc:Choice>
+        <mc:Fallback>
+          <p:sp>
+            <p:nvSpPr>
+              <p:cNvPr id="13" name="TextBox 12">
+                <a:extLst>
+                  <a:ext uri="{FF2B5EF4-FFF2-40B4-BE49-F238E27FC236}">
+                    <a16:creationId xmlns:a16="http://schemas.microsoft.com/office/drawing/2014/main" id="{6D443401-6145-1A8C-60C4-DF357EDEE2C6}"/>
+                  </a:ext>
+                </a:extLst>
+              </p:cNvPr>
+              <p:cNvSpPr txBox="1">
+                <a:spLocks noRot="1" noChangeAspect="1" noMove="1" noResize="1" noEditPoints="1" noAdjustHandles="1" noChangeArrowheads="1" noChangeShapeType="1" noTextEdit="1"/>
+              </p:cNvSpPr>
+              <p:nvPr/>
+            </p:nvSpPr>
+            <p:spPr>
+              <a:xfrm>
+                <a:off x="3239432" y="4497287"/>
+                <a:ext cx="1766509" cy="307777"/>
+              </a:xfrm>
+              <a:prstGeom prst="rect">
+                <a:avLst/>
+              </a:prstGeom>
+              <a:blipFill>
+                <a:blip r:embed="rId6"/>
+                <a:stretch>
+                  <a:fillRect l="-342" t="-1923" b="-17308"/>
+                </a:stretch>
+              </a:blipFill>
+              <a:ln>
+                <a:solidFill>
+                  <a:schemeClr val="tx1"/>
+                </a:solidFill>
+                <a:prstDash val="dash"/>
+              </a:ln>
+            </p:spPr>
+            <p:txBody>
+              <a:bodyPr/>
+              <a:lstStyle/>
+              <a:p>
+                <a:r>
+                  <a:rPr lang="en-US">
+                    <a:noFill/>
+                  </a:rPr>
+                  <a:t> </a:t>
+                </a:r>
+              </a:p>
+            </p:txBody>
+          </p:sp>
+        </mc:Fallback>
+      </mc:AlternateContent>
+      <mc:AlternateContent xmlns:mc="http://schemas.openxmlformats.org/markup-compatibility/2006">
+        <mc:Choice xmlns:a14="http://schemas.microsoft.com/office/drawing/2010/main" Requires="a14">
+          <p:sp>
+            <p:nvSpPr>
+              <p:cNvPr id="15" name="TextBox 14">
+                <a:extLst>
+                  <a:ext uri="{FF2B5EF4-FFF2-40B4-BE49-F238E27FC236}">
+                    <a16:creationId xmlns:a16="http://schemas.microsoft.com/office/drawing/2014/main" id="{6A6DD654-2C7E-76F7-E499-708A8A17CE14}"/>
+                  </a:ext>
+                </a:extLst>
+              </p:cNvPr>
+              <p:cNvSpPr txBox="1"/>
+              <p:nvPr/>
+            </p:nvSpPr>
+            <p:spPr>
+              <a:xfrm>
+                <a:off x="46011" y="5457775"/>
+                <a:ext cx="2141805" cy="307777"/>
+              </a:xfrm>
+              <a:prstGeom prst="rect">
+                <a:avLst/>
+              </a:prstGeom>
+              <a:noFill/>
+              <a:ln>
+                <a:solidFill>
+                  <a:schemeClr val="tx1"/>
+                </a:solidFill>
+                <a:prstDash val="dash"/>
+              </a:ln>
+            </p:spPr>
+            <p:txBody>
+              <a:bodyPr wrap="none" rtlCol="0">
+                <a:spAutoFit/>
+              </a:bodyPr>
+              <a:lstStyle/>
+              <a:p>
+                <a:r>
+                  <a:rPr lang="en-US" sz="1400" dirty="0">
+                    <a:solidFill>
+                      <a:schemeClr val="tx1"/>
+                    </a:solidFill>
+                  </a:rPr>
+                  <a:t>Output variables:</a:t>
+                </a:r>
+                <a14:m>
+                  <m:oMath xmlns:m="http://schemas.openxmlformats.org/officeDocument/2006/math">
+                    <m:r>
+                      <a:rPr lang="en-US" sz="1400" b="0" i="1" smtClean="0">
+                        <a:solidFill>
+                          <a:schemeClr val="tx1"/>
+                        </a:solidFill>
+                        <a:latin typeface="Cambria Math" panose="02040503050406030204" pitchFamily="18" charset="0"/>
+                      </a:rPr>
+                      <m:t>𝐸𝑛𝑒𝑟𝑔𝑦</m:t>
+                    </m:r>
+                  </m:oMath>
+                </a14:m>
+                <a:endParaRPr lang="en-US" sz="1400" dirty="0">
+                  <a:solidFill>
+                    <a:schemeClr val="tx1"/>
+                  </a:solidFill>
+                </a:endParaRPr>
+              </a:p>
+            </p:txBody>
+          </p:sp>
+        </mc:Choice>
+        <mc:Fallback>
+          <p:sp>
+            <p:nvSpPr>
+              <p:cNvPr id="15" name="TextBox 14">
+                <a:extLst>
+                  <a:ext uri="{FF2B5EF4-FFF2-40B4-BE49-F238E27FC236}">
+                    <a16:creationId xmlns:a16="http://schemas.microsoft.com/office/drawing/2014/main" id="{6A6DD654-2C7E-76F7-E499-708A8A17CE14}"/>
+                  </a:ext>
+                </a:extLst>
+              </p:cNvPr>
+              <p:cNvSpPr txBox="1">
+                <a:spLocks noRot="1" noChangeAspect="1" noMove="1" noResize="1" noEditPoints="1" noAdjustHandles="1" noChangeArrowheads="1" noChangeShapeType="1" noTextEdit="1"/>
+              </p:cNvSpPr>
+              <p:nvPr/>
+            </p:nvSpPr>
+            <p:spPr>
+              <a:xfrm>
+                <a:off x="46011" y="5457775"/>
+                <a:ext cx="2141805" cy="307777"/>
+              </a:xfrm>
+              <a:prstGeom prst="rect">
+                <a:avLst/>
+              </a:prstGeom>
+              <a:blipFill>
+                <a:blip r:embed="rId7"/>
+                <a:stretch>
+                  <a:fillRect b="-16981"/>
+                </a:stretch>
+              </a:blipFill>
+              <a:ln>
+                <a:solidFill>
+                  <a:schemeClr val="tx1"/>
+                </a:solidFill>
+                <a:prstDash val="dash"/>
+              </a:ln>
+            </p:spPr>
+            <p:txBody>
+              <a:bodyPr/>
+              <a:lstStyle/>
+              <a:p>
+                <a:r>
+                  <a:rPr lang="en-US">
+                    <a:noFill/>
+                  </a:rPr>
+                  <a:t> </a:t>
+                </a:r>
+              </a:p>
+            </p:txBody>
+          </p:sp>
+        </mc:Fallback>
+      </mc:AlternateContent>
       <p:cxnSp>
         <p:nvCxnSpPr>
           <p:cNvPr id="18" name="Straight Arrow Connector 17">
@@ -19881,7 +21462,7 @@
                 <a:avLst/>
               </a:prstGeom>
               <a:blipFill>
-                <a:blip r:embed="rId5"/>
+                <a:blip r:embed="rId8"/>
                 <a:stretch>
                   <a:fillRect t="-813" r="-932" b="-6504"/>
                 </a:stretch>
@@ -20011,7 +21592,15 @@
             </a:r>
             <a:r>
               <a:rPr lang="en-US" altLang="zh-CN" dirty="0"/>
-              <a:t>redict (warm-up time steps)</a:t>
+              <a:t>redict (</a:t>
+            </a:r>
+            <a:r>
+              <a:rPr lang="en-US" altLang="zh-CN" b="1" dirty="0"/>
+              <a:t>warm-up</a:t>
+            </a:r>
+            <a:r>
+              <a:rPr lang="en-US" altLang="zh-CN" dirty="0"/>
+              <a:t> time steps)</a:t>
             </a:r>
           </a:p>
           <a:p>
@@ -20274,7 +21863,18 @@
                                   </a:solidFill>
                                   <a:latin typeface="Cambria Math" panose="02040503050406030204" pitchFamily="18" charset="0"/>
                                 </a:rPr>
-                                <m:t>+1</m:t>
+                                <m:t>+</m:t>
+                              </m:r>
+                              <m:r>
+                                <a:rPr lang="en-US" sz="1800" b="0" i="1" smtClean="0">
+                                  <a:solidFill>
+                                    <a:schemeClr val="accent1">
+                                      <a:lumMod val="75000"/>
+                                    </a:schemeClr>
+                                  </a:solidFill>
+                                  <a:latin typeface="Cambria Math" panose="02040503050406030204" pitchFamily="18" charset="0"/>
+                                </a:rPr>
+                                <m:t>1</m:t>
                               </m:r>
                             </m:e>
                           </m:d>
@@ -20945,6 +22545,53 @@
           </a:p>
         </p:txBody>
       </p:sp>
+      <p:pic>
+        <p:nvPicPr>
+          <p:cNvPr id="7" name="Picture 2" descr="radiant heat polished concrete floor diagram">
+            <a:extLst>
+              <a:ext uri="{FF2B5EF4-FFF2-40B4-BE49-F238E27FC236}">
+                <a16:creationId xmlns:a16="http://schemas.microsoft.com/office/drawing/2014/main" id="{C693A337-FD92-BF81-3D0E-8BBCBC671420}"/>
+              </a:ext>
+            </a:extLst>
+          </p:cNvPr>
+          <p:cNvPicPr>
+            <a:picLocks noChangeAspect="1" noChangeArrowheads="1"/>
+          </p:cNvPicPr>
+          <p:nvPr/>
+        </p:nvPicPr>
+        <p:blipFill>
+          <a:blip r:embed="rId4">
+            <a:extLst>
+              <a:ext uri="{28A0092B-C50C-407E-A947-70E740481C1C}">
+                <a14:useLocalDpi xmlns:a14="http://schemas.microsoft.com/office/drawing/2010/main" val="0"/>
+              </a:ext>
+            </a:extLst>
+          </a:blip>
+          <a:srcRect/>
+          <a:stretch>
+            <a:fillRect/>
+          </a:stretch>
+        </p:blipFill>
+        <p:spPr bwMode="auto">
+          <a:xfrm>
+            <a:off x="6324600" y="1595617"/>
+            <a:ext cx="2514600" cy="1673046"/>
+          </a:xfrm>
+          <a:prstGeom prst="rect">
+            <a:avLst/>
+          </a:prstGeom>
+          <a:noFill/>
+          <a:extLst>
+            <a:ext uri="{909E8E84-426E-40DD-AFC4-6F175D3DCCD1}">
+              <a14:hiddenFill xmlns:a14="http://schemas.microsoft.com/office/drawing/2010/main">
+                <a:solidFill>
+                  <a:srgbClr val="FFFFFF"/>
+                </a:solidFill>
+              </a14:hiddenFill>
+            </a:ext>
+          </a:extLst>
+        </p:spPr>
+      </p:pic>
     </p:spTree>
     <p:extLst>
       <p:ext uri="{BB962C8B-B14F-4D97-AF65-F5344CB8AC3E}">
@@ -21200,6 +22847,53 @@
           </a:p>
         </p:txBody>
       </p:sp>
+      <p:pic>
+        <p:nvPicPr>
+          <p:cNvPr id="10" name="Picture 2" descr="radiant heat polished concrete floor diagram">
+            <a:extLst>
+              <a:ext uri="{FF2B5EF4-FFF2-40B4-BE49-F238E27FC236}">
+                <a16:creationId xmlns:a16="http://schemas.microsoft.com/office/drawing/2014/main" id="{18FD061D-4C07-9C0B-2D17-1887688C8B2D}"/>
+              </a:ext>
+            </a:extLst>
+          </p:cNvPr>
+          <p:cNvPicPr>
+            <a:picLocks noChangeAspect="1" noChangeArrowheads="1"/>
+          </p:cNvPicPr>
+          <p:nvPr/>
+        </p:nvPicPr>
+        <p:blipFill>
+          <a:blip r:embed="rId3">
+            <a:extLst>
+              <a:ext uri="{28A0092B-C50C-407E-A947-70E740481C1C}">
+                <a14:useLocalDpi xmlns:a14="http://schemas.microsoft.com/office/drawing/2010/main" val="0"/>
+              </a:ext>
+            </a:extLst>
+          </a:blip>
+          <a:srcRect/>
+          <a:stretch>
+            <a:fillRect/>
+          </a:stretch>
+        </p:blipFill>
+        <p:spPr bwMode="auto">
+          <a:xfrm>
+            <a:off x="6324600" y="1595617"/>
+            <a:ext cx="2514600" cy="1673046"/>
+          </a:xfrm>
+          <a:prstGeom prst="rect">
+            <a:avLst/>
+          </a:prstGeom>
+          <a:noFill/>
+          <a:extLst>
+            <a:ext uri="{909E8E84-426E-40DD-AFC4-6F175D3DCCD1}">
+              <a14:hiddenFill xmlns:a14="http://schemas.microsoft.com/office/drawing/2010/main">
+                <a:solidFill>
+                  <a:srgbClr val="FFFFFF"/>
+                </a:solidFill>
+              </a14:hiddenFill>
+            </a:ext>
+          </a:extLst>
+        </p:spPr>
+      </p:pic>
     </p:spTree>
     <p:extLst>
       <p:ext uri="{BB962C8B-B14F-4D97-AF65-F5344CB8AC3E}">
@@ -21524,6 +23218,44 @@
           </a:p>
         </p:txBody>
       </p:sp>
+      <p:pic>
+        <p:nvPicPr>
+          <p:cNvPr id="11" name="Picture 2" descr="radiant heat polished concrete floor diagram">
+            <a:extLst>
+              <a:ext uri="{FF2B5EF4-FFF2-40B4-BE49-F238E27FC236}">
+                <a16:creationId xmlns:a16="http://schemas.microsoft.com/office/drawing/2014/main" id="{E65E0009-C843-8221-934A-519A9A88EA1B}"/>
+              </a:ext>
+            </a:extLst>
+          </p:cNvPr>
+          <p:cNvPicPr>
+            <a:picLocks noChangeAspect="1" noChangeArrowheads="1"/>
+          </p:cNvPicPr>
+          <p:nvPr/>
+        </p:nvPicPr>
+        <p:blipFill>
+          <a:blip r:embed="rId3">
+            <a:extLst>
+              <a:ext uri="{28A0092B-C50C-407E-A947-70E740481C1C}">
+                <a14:useLocalDpi xmlns:a14="http://schemas.microsoft.com/office/drawing/2010/main" val="0"/>
+              </a:ext>
+            </a:extLst>
+          </a:blip>
+          <a:srcRect/>
+          <a:stretch>
+            <a:fillRect/>
+          </a:stretch>
+        </p:blipFill>
+        <p:spPr bwMode="auto">
+          <a:xfrm>
+            <a:off x="6400800" y="1595616"/>
+            <a:ext cx="2438400" cy="1622347"/>
+          </a:xfrm>
+          <a:prstGeom prst="rect">
+            <a:avLst/>
+          </a:prstGeom>
+          <a:noFill/>
+        </p:spPr>
+      </p:pic>
     </p:spTree>
     <p:extLst>
       <p:ext uri="{BB962C8B-B14F-4D97-AF65-F5344CB8AC3E}">

--- a/Final/HybridModel_3470_Presentation.pptx
+++ b/Final/HybridModel_3470_Presentation.pptx
@@ -309,7 +309,7 @@
           <a:p>
             <a:fld id="{F5597993-FE1E-4023-B9F0-77351815C1CA}" type="datetimeFigureOut">
               <a:rPr lang="en-GB" smtClean="0"/>
-              <a:t>09/07/2022</a:t>
+              <a:t>11/07/2022</a:t>
             </a:fld>
             <a:endParaRPr lang="en-GB"/>
           </a:p>
@@ -9045,16 +9045,7 @@
                               </a:solidFill>
                               <a:latin typeface="Cambria Math" panose="02040503050406030204" pitchFamily="18" charset="0"/>
                             </a:rPr>
-                            <m:t>1</m:t>
-                          </m:r>
-                          <m:r>
-                            <a:rPr lang="en-US" sz="1600" b="0" i="1" smtClean="0">
-                              <a:solidFill>
-                                <a:schemeClr val="tx1"/>
-                              </a:solidFill>
-                              <a:latin typeface="Cambria Math" panose="02040503050406030204" pitchFamily="18" charset="0"/>
-                            </a:rPr>
-                            <m:t>−</m:t>
+                            <m:t>1−</m:t>
                           </m:r>
                           <m:sSub>
                             <m:sSubPr>
@@ -9154,16 +9145,7 @@
                               </a:solidFill>
                               <a:latin typeface="Cambria Math" panose="02040503050406030204" pitchFamily="18" charset="0"/>
                             </a:rPr>
-                            <m:t>−</m:t>
-                          </m:r>
-                          <m:r>
-                            <a:rPr lang="en-US" sz="1600" b="0" i="1" smtClean="0">
-                              <a:solidFill>
-                                <a:schemeClr val="tx1"/>
-                              </a:solidFill>
-                              <a:latin typeface="Cambria Math" panose="02040503050406030204" pitchFamily="18" charset="0"/>
-                            </a:rPr>
-                            <m:t>1</m:t>
+                            <m:t>−1</m:t>
                           </m:r>
                         </m:e>
                       </m:d>
@@ -9349,16 +9331,7 @@
                               </a:solidFill>
                               <a:latin typeface="Cambria Math" panose="02040503050406030204" pitchFamily="18" charset="0"/>
                             </a:rPr>
-                            <m:t>1</m:t>
-                          </m:r>
-                          <m:r>
-                            <a:rPr lang="en-US" sz="1600" i="1">
-                              <a:solidFill>
-                                <a:schemeClr val="tx1"/>
-                              </a:solidFill>
-                              <a:latin typeface="Cambria Math" panose="02040503050406030204" pitchFamily="18" charset="0"/>
-                            </a:rPr>
-                            <m:t>−</m:t>
+                            <m:t>1−</m:t>
                           </m:r>
                           <m:sSub>
                             <m:sSubPr>
@@ -9461,16 +9434,7 @@
                               </a:solidFill>
                               <a:latin typeface="Cambria Math" panose="02040503050406030204" pitchFamily="18" charset="0"/>
                             </a:rPr>
-                            <m:t>−</m:t>
-                          </m:r>
-                          <m:r>
-                            <a:rPr lang="en-US" sz="1600" i="1">
-                              <a:solidFill>
-                                <a:schemeClr val="tx1"/>
-                              </a:solidFill>
-                              <a:latin typeface="Cambria Math" panose="02040503050406030204" pitchFamily="18" charset="0"/>
-                            </a:rPr>
-                            <m:t>1</m:t>
+                            <m:t>−1</m:t>
                           </m:r>
                         </m:e>
                       </m:d>
@@ -9646,16 +9610,7 @@
                                       </a:solidFill>
                                       <a:latin typeface="Cambria Math" panose="02040503050406030204" pitchFamily="18" charset="0"/>
                                     </a:rPr>
-                                    <m:t>−</m:t>
-                                  </m:r>
-                                  <m:r>
-                                    <a:rPr lang="en-US" sz="1600" b="0" i="1" smtClean="0">
-                                      <a:solidFill>
-                                        <a:schemeClr val="tx1"/>
-                                      </a:solidFill>
-                                      <a:latin typeface="Cambria Math" panose="02040503050406030204" pitchFamily="18" charset="0"/>
-                                    </a:rPr>
-                                    <m:t>1</m:t>
+                                    <m:t>−1</m:t>
                                   </m:r>
                                 </m:e>
                               </m:d>
@@ -11122,16 +11077,7 @@
                             </a:solidFill>
                             <a:latin typeface="Cambria Math" panose="02040503050406030204" pitchFamily="18" charset="0"/>
                           </a:rPr>
-                          <m:t>𝑡</m:t>
-                        </m:r>
-                        <m:r>
-                          <a:rPr lang="en-US" sz="1400" b="0" i="1" smtClean="0">
-                            <a:solidFill>
-                              <a:schemeClr val="tx1"/>
-                            </a:solidFill>
-                            <a:latin typeface="Cambria Math" panose="02040503050406030204" pitchFamily="18" charset="0"/>
-                          </a:rPr>
-                          <m:t>h</m:t>
+                          <m:t>𝑡h</m:t>
                         </m:r>
                       </m:sub>
                     </m:sSub>
@@ -13305,16 +13251,7 @@
                             </a:solidFill>
                             <a:latin typeface="Cambria Math" panose="02040503050406030204" pitchFamily="18" charset="0"/>
                           </a:rPr>
-                          <m:t>𝑡</m:t>
-                        </m:r>
-                        <m:r>
-                          <a:rPr lang="en-US" sz="1400" b="0" i="1" smtClean="0">
-                            <a:solidFill>
-                              <a:schemeClr val="tx1"/>
-                            </a:solidFill>
-                            <a:latin typeface="Cambria Math" panose="02040503050406030204" pitchFamily="18" charset="0"/>
-                          </a:rPr>
-                          <m:t>h</m:t>
+                          <m:t>𝑡h</m:t>
                         </m:r>
                       </m:sub>
                     </m:sSub>
@@ -13789,19 +13726,7 @@
                                       <a:ea typeface="Times New Roman" panose="02020603050405020304" pitchFamily="18" charset="0"/>
                                       <a:cs typeface="Times New Roman" panose="02020603050405020304" pitchFamily="18" charset="0"/>
                                     </a:rPr>
-                                    <m:t>=</m:t>
-                                  </m:r>
-                                  <m:r>
-                                    <a:rPr lang="en-US" sz="1200" i="1">
-                                      <a:solidFill>
-                                        <a:schemeClr val="tx1"/>
-                                      </a:solidFill>
-                                      <a:effectLst/>
-                                      <a:latin typeface="Cambria Math" panose="02040503050406030204" pitchFamily="18" charset="0"/>
-                                      <a:ea typeface="Times New Roman" panose="02020603050405020304" pitchFamily="18" charset="0"/>
-                                      <a:cs typeface="Times New Roman" panose="02020603050405020304" pitchFamily="18" charset="0"/>
-                                    </a:rPr>
-                                    <m:t>1</m:t>
+                                    <m:t>=1</m:t>
                                   </m:r>
                                 </m:sub>
                                 <m:sup>
@@ -14031,19 +13956,7 @@
                                   <a:ea typeface="Times New Roman" panose="02020603050405020304" pitchFamily="18" charset="0"/>
                                   <a:cs typeface="Times New Roman" panose="02020603050405020304" pitchFamily="18" charset="0"/>
                                 </a:rPr>
-                                <m:t>−</m:t>
-                              </m:r>
-                              <m:r>
-                                <a:rPr lang="en-US" sz="1200" i="1">
-                                  <a:solidFill>
-                                    <a:schemeClr val="tx1"/>
-                                  </a:solidFill>
-                                  <a:effectLst/>
-                                  <a:latin typeface="Cambria Math" panose="02040503050406030204" pitchFamily="18" charset="0"/>
-                                  <a:ea typeface="Times New Roman" panose="02020603050405020304" pitchFamily="18" charset="0"/>
-                                  <a:cs typeface="Times New Roman" panose="02020603050405020304" pitchFamily="18" charset="0"/>
-                                </a:rPr>
-                                <m:t>1</m:t>
+                                <m:t>−1</m:t>
                               </m:r>
                             </m:den>
                           </m:f>
@@ -16014,8 +15927,8 @@
           </a:p>
         </p:txBody>
       </p:sp>
-      <mc:AlternateContent xmlns:mc="http://schemas.openxmlformats.org/markup-compatibility/2006">
-        <mc:Choice xmlns:a14="http://schemas.microsoft.com/office/drawing/2010/main" Requires="a14">
+      <mc:AlternateContent xmlns:mc="http://schemas.openxmlformats.org/markup-compatibility/2006" xmlns:a14="http://schemas.microsoft.com/office/drawing/2010/main">
+        <mc:Choice Requires="a14">
           <p:sp>
             <p:nvSpPr>
               <p:cNvPr id="4" name="Content Placeholder 3">
@@ -16126,7 +16039,7 @@
             </p:txBody>
           </p:sp>
         </mc:Choice>
-        <mc:Fallback>
+        <mc:Fallback xmlns="">
           <p:sp>
             <p:nvSpPr>
               <p:cNvPr id="4" name="Content Placeholder 3">
@@ -16681,8 +16594,8 @@
           </a:p>
         </p:txBody>
       </p:sp>
-      <mc:AlternateContent xmlns:mc="http://schemas.openxmlformats.org/markup-compatibility/2006">
-        <mc:Choice xmlns:a14="http://schemas.microsoft.com/office/drawing/2010/main" Requires="a14">
+      <mc:AlternateContent xmlns:mc="http://schemas.openxmlformats.org/markup-compatibility/2006" xmlns:a14="http://schemas.microsoft.com/office/drawing/2010/main">
+        <mc:Choice Requires="a14">
           <p:sp>
             <p:nvSpPr>
               <p:cNvPr id="3" name="Content Placeholder 2">
@@ -16988,7 +16901,7 @@
             </p:txBody>
           </p:sp>
         </mc:Choice>
-        <mc:Fallback>
+        <mc:Fallback xmlns="">
           <p:sp>
             <p:nvSpPr>
               <p:cNvPr id="3" name="Content Placeholder 2">
@@ -17891,115 +17804,7 @@
                                       <a:ea typeface="DengXian" panose="02010600030101010101" pitchFamily="2" charset="-122"/>
                                       <a:cs typeface="Times New Roman" panose="02020603050405020304" pitchFamily="18" charset="0"/>
                                     </a:rPr>
-                                    <m:t>−</m:t>
-                                  </m:r>
-                                  <m:r>
-                                    <a:rPr lang="en-US" sz="1800" i="1">
-                                      <a:solidFill>
-                                        <a:schemeClr val="tx1"/>
-                                      </a:solidFill>
-                                      <a:effectLst/>
-                                      <a:latin typeface="Cambria Math" panose="02040503050406030204" pitchFamily="18" charset="0"/>
-                                      <a:ea typeface="DengXian" panose="02010600030101010101" pitchFamily="2" charset="-122"/>
-                                      <a:cs typeface="Times New Roman" panose="02020603050405020304" pitchFamily="18" charset="0"/>
-                                    </a:rPr>
-                                    <m:t>1</m:t>
-                                  </m:r>
-                                  <m:r>
-                                    <a:rPr lang="en-US" sz="1800" i="1">
-                                      <a:solidFill>
-                                        <a:schemeClr val="tx1"/>
-                                      </a:solidFill>
-                                      <a:effectLst/>
-                                      <a:latin typeface="Cambria Math" panose="02040503050406030204" pitchFamily="18" charset="0"/>
-                                      <a:ea typeface="DengXian" panose="02010600030101010101" pitchFamily="2" charset="-122"/>
-                                      <a:cs typeface="Times New Roman" panose="02020603050405020304" pitchFamily="18" charset="0"/>
-                                    </a:rPr>
-                                    <m:t>−</m:t>
-                                  </m:r>
-                                  <m:r>
-                                    <a:rPr lang="en-US" sz="1800" i="1">
-                                      <a:solidFill>
-                                        <a:schemeClr val="tx1"/>
-                                      </a:solidFill>
-                                      <a:effectLst/>
-                                      <a:latin typeface="Cambria Math" panose="02040503050406030204" pitchFamily="18" charset="0"/>
-                                      <a:ea typeface="DengXian" panose="02010600030101010101" pitchFamily="2" charset="-122"/>
-                                      <a:cs typeface="Times New Roman" panose="02020603050405020304" pitchFamily="18" charset="0"/>
-                                    </a:rPr>
-                                    <m:t>1</m:t>
-                                  </m:r>
-                                  <m:r>
-                                    <a:rPr lang="en-US" sz="1800" i="1">
-                                      <a:solidFill>
-                                        <a:schemeClr val="tx1"/>
-                                      </a:solidFill>
-                                      <a:effectLst/>
-                                      <a:latin typeface="Cambria Math" panose="02040503050406030204" pitchFamily="18" charset="0"/>
-                                      <a:ea typeface="DengXian" panose="02010600030101010101" pitchFamily="2" charset="-122"/>
-                                      <a:cs typeface="Times New Roman" panose="02020603050405020304" pitchFamily="18" charset="0"/>
-                                    </a:rPr>
-                                    <m:t>+</m:t>
-                                  </m:r>
-                                  <m:r>
-                                    <a:rPr lang="en-US" sz="1800" i="1">
-                                      <a:solidFill>
-                                        <a:schemeClr val="tx1"/>
-                                      </a:solidFill>
-                                      <a:effectLst/>
-                                      <a:latin typeface="Cambria Math" panose="02040503050406030204" pitchFamily="18" charset="0"/>
-                                      <a:ea typeface="DengXian" panose="02010600030101010101" pitchFamily="2" charset="-122"/>
-                                      <a:cs typeface="Times New Roman" panose="02020603050405020304" pitchFamily="18" charset="0"/>
-                                    </a:rPr>
-                                    <m:t>1</m:t>
-                                  </m:r>
-                                  <m:r>
-                                    <a:rPr lang="en-US" sz="1800" i="1">
-                                      <a:solidFill>
-                                        <a:schemeClr val="tx1"/>
-                                      </a:solidFill>
-                                      <a:effectLst/>
-                                      <a:latin typeface="Cambria Math" panose="02040503050406030204" pitchFamily="18" charset="0"/>
-                                      <a:ea typeface="DengXian" panose="02010600030101010101" pitchFamily="2" charset="-122"/>
-                                      <a:cs typeface="Times New Roman" panose="02020603050405020304" pitchFamily="18" charset="0"/>
-                                    </a:rPr>
-                                    <m:t>+</m:t>
-                                  </m:r>
-                                  <m:r>
-                                    <a:rPr lang="en-US" sz="1800" i="1">
-                                      <a:solidFill>
-                                        <a:schemeClr val="tx1"/>
-                                      </a:solidFill>
-                                      <a:effectLst/>
-                                      <a:latin typeface="Cambria Math" panose="02040503050406030204" pitchFamily="18" charset="0"/>
-                                      <a:ea typeface="DengXian" panose="02010600030101010101" pitchFamily="2" charset="-122"/>
-                                      <a:cs typeface="Times New Roman" panose="02020603050405020304" pitchFamily="18" charset="0"/>
-                                    </a:rPr>
-                                    <m:t>1</m:t>
-                                  </m:r>
-                                  <m:r>
-                                    <a:rPr lang="en-US" sz="1800" i="1">
-                                      <a:solidFill>
-                                        <a:schemeClr val="tx1"/>
-                                      </a:solidFill>
-                                      <a:effectLst/>
-                                      <a:latin typeface="Cambria Math" panose="02040503050406030204" pitchFamily="18" charset="0"/>
-                                      <a:ea typeface="DengXian" panose="02010600030101010101" pitchFamily="2" charset="-122"/>
-                                      <a:cs typeface="Times New Roman" panose="02020603050405020304" pitchFamily="18" charset="0"/>
-                                    </a:rPr>
-                                    <m:t>.</m:t>
-                                  </m:r>
-                                  <m:r>
-                                    <a:rPr lang="en-US" sz="1800" i="1">
-                                      <a:solidFill>
-                                        <a:schemeClr val="tx1"/>
-                                      </a:solidFill>
-                                      <a:effectLst/>
-                                      <a:latin typeface="Cambria Math" panose="02040503050406030204" pitchFamily="18" charset="0"/>
-                                      <a:ea typeface="DengXian" panose="02010600030101010101" pitchFamily="2" charset="-122"/>
-                                      <a:cs typeface="Times New Roman" panose="02020603050405020304" pitchFamily="18" charset="0"/>
-                                    </a:rPr>
-                                    <m:t>1</m:t>
+                                    <m:t>−1−1+1+1.1</m:t>
                                   </m:r>
                                 </m:e>
                               </m:d>
@@ -18038,139 +17843,7 @@
                                       <a:ea typeface="DengXian" panose="02010600030101010101" pitchFamily="2" charset="-122"/>
                                       <a:cs typeface="Times New Roman" panose="02020603050405020304" pitchFamily="18" charset="0"/>
                                     </a:rPr>
-                                    <m:t>−</m:t>
-                                  </m:r>
-                                  <m:r>
-                                    <a:rPr lang="en-US" sz="1800" i="1">
-                                      <a:solidFill>
-                                        <a:schemeClr val="tx1"/>
-                                      </a:solidFill>
-                                      <a:effectLst/>
-                                      <a:latin typeface="Cambria Math" panose="02040503050406030204" pitchFamily="18" charset="0"/>
-                                      <a:ea typeface="DengXian" panose="02010600030101010101" pitchFamily="2" charset="-122"/>
-                                      <a:cs typeface="Times New Roman" panose="02020603050405020304" pitchFamily="18" charset="0"/>
-                                    </a:rPr>
-                                    <m:t>0</m:t>
-                                  </m:r>
-                                  <m:r>
-                                    <a:rPr lang="en-US" sz="1800" i="1">
-                                      <a:solidFill>
-                                        <a:schemeClr val="tx1"/>
-                                      </a:solidFill>
-                                      <a:effectLst/>
-                                      <a:latin typeface="Cambria Math" panose="02040503050406030204" pitchFamily="18" charset="0"/>
-                                      <a:ea typeface="DengXian" panose="02010600030101010101" pitchFamily="2" charset="-122"/>
-                                      <a:cs typeface="Times New Roman" panose="02020603050405020304" pitchFamily="18" charset="0"/>
-                                    </a:rPr>
-                                    <m:t>.</m:t>
-                                  </m:r>
-                                  <m:r>
-                                    <a:rPr lang="en-US" sz="1800" i="1">
-                                      <a:solidFill>
-                                        <a:schemeClr val="tx1"/>
-                                      </a:solidFill>
-                                      <a:effectLst/>
-                                      <a:latin typeface="Cambria Math" panose="02040503050406030204" pitchFamily="18" charset="0"/>
-                                      <a:ea typeface="DengXian" panose="02010600030101010101" pitchFamily="2" charset="-122"/>
-                                      <a:cs typeface="Times New Roman" panose="02020603050405020304" pitchFamily="18" charset="0"/>
-                                    </a:rPr>
-                                    <m:t>9</m:t>
-                                  </m:r>
-                                  <m:r>
-                                    <a:rPr lang="en-US" sz="1800" i="1">
-                                      <a:solidFill>
-                                        <a:schemeClr val="tx1"/>
-                                      </a:solidFill>
-                                      <a:effectLst/>
-                                      <a:latin typeface="Cambria Math" panose="02040503050406030204" pitchFamily="18" charset="0"/>
-                                      <a:ea typeface="DengXian" panose="02010600030101010101" pitchFamily="2" charset="-122"/>
-                                      <a:cs typeface="Times New Roman" panose="02020603050405020304" pitchFamily="18" charset="0"/>
-                                    </a:rPr>
-                                    <m:t>−</m:t>
-                                  </m:r>
-                                  <m:r>
-                                    <a:rPr lang="en-US" sz="1800" i="1">
-                                      <a:solidFill>
-                                        <a:schemeClr val="tx1"/>
-                                      </a:solidFill>
-                                      <a:effectLst/>
-                                      <a:latin typeface="Cambria Math" panose="02040503050406030204" pitchFamily="18" charset="0"/>
-                                      <a:ea typeface="DengXian" panose="02010600030101010101" pitchFamily="2" charset="-122"/>
-                                      <a:cs typeface="Times New Roman" panose="02020603050405020304" pitchFamily="18" charset="0"/>
-                                    </a:rPr>
-                                    <m:t>1</m:t>
-                                  </m:r>
-                                  <m:r>
-                                    <a:rPr lang="en-US" sz="1800" i="1">
-                                      <a:solidFill>
-                                        <a:schemeClr val="tx1"/>
-                                      </a:solidFill>
-                                      <a:effectLst/>
-                                      <a:latin typeface="Cambria Math" panose="02040503050406030204" pitchFamily="18" charset="0"/>
-                                      <a:ea typeface="DengXian" panose="02010600030101010101" pitchFamily="2" charset="-122"/>
-                                      <a:cs typeface="Times New Roman" panose="02020603050405020304" pitchFamily="18" charset="0"/>
-                                    </a:rPr>
-                                    <m:t>.</m:t>
-                                  </m:r>
-                                  <m:r>
-                                    <a:rPr lang="en-US" sz="1800" i="1">
-                                      <a:solidFill>
-                                        <a:schemeClr val="tx1"/>
-                                      </a:solidFill>
-                                      <a:effectLst/>
-                                      <a:latin typeface="Cambria Math" panose="02040503050406030204" pitchFamily="18" charset="0"/>
-                                      <a:ea typeface="DengXian" panose="02010600030101010101" pitchFamily="2" charset="-122"/>
-                                      <a:cs typeface="Times New Roman" panose="02020603050405020304" pitchFamily="18" charset="0"/>
-                                    </a:rPr>
-                                    <m:t>1</m:t>
-                                  </m:r>
-                                  <m:r>
-                                    <a:rPr lang="en-US" sz="1800" i="1">
-                                      <a:solidFill>
-                                        <a:schemeClr val="tx1"/>
-                                      </a:solidFill>
-                                      <a:effectLst/>
-                                      <a:latin typeface="Cambria Math" panose="02040503050406030204" pitchFamily="18" charset="0"/>
-                                      <a:ea typeface="DengXian" panose="02010600030101010101" pitchFamily="2" charset="-122"/>
-                                      <a:cs typeface="Times New Roman" panose="02020603050405020304" pitchFamily="18" charset="0"/>
-                                    </a:rPr>
-                                    <m:t>+</m:t>
-                                  </m:r>
-                                  <m:r>
-                                    <a:rPr lang="en-US" sz="1800" i="1">
-                                      <a:solidFill>
-                                        <a:schemeClr val="tx1"/>
-                                      </a:solidFill>
-                                      <a:effectLst/>
-                                      <a:latin typeface="Cambria Math" panose="02040503050406030204" pitchFamily="18" charset="0"/>
-                                      <a:ea typeface="DengXian" panose="02010600030101010101" pitchFamily="2" charset="-122"/>
-                                      <a:cs typeface="Times New Roman" panose="02020603050405020304" pitchFamily="18" charset="0"/>
-                                    </a:rPr>
-                                    <m:t>1</m:t>
-                                  </m:r>
-                                  <m:r>
-                                    <a:rPr lang="en-US" sz="1800" i="1">
-                                      <a:solidFill>
-                                        <a:schemeClr val="tx1"/>
-                                      </a:solidFill>
-                                      <a:effectLst/>
-                                      <a:latin typeface="Cambria Math" panose="02040503050406030204" pitchFamily="18" charset="0"/>
-                                      <a:ea typeface="DengXian" panose="02010600030101010101" pitchFamily="2" charset="-122"/>
-                                      <a:cs typeface="Times New Roman" panose="02020603050405020304" pitchFamily="18" charset="0"/>
-                                    </a:rPr>
-                                    <m:t>+</m:t>
-                                  </m:r>
-                                  <m:r>
-                                    <a:rPr lang="en-US" sz="1800" i="1">
-                                      <a:solidFill>
-                                        <a:schemeClr val="tx1"/>
-                                      </a:solidFill>
-                                      <a:effectLst/>
-                                      <a:latin typeface="Cambria Math" panose="02040503050406030204" pitchFamily="18" charset="0"/>
-                                      <a:ea typeface="DengXian" panose="02010600030101010101" pitchFamily="2" charset="-122"/>
-                                      <a:cs typeface="Times New Roman" panose="02020603050405020304" pitchFamily="18" charset="0"/>
-                                    </a:rPr>
-                                    <m:t>1</m:t>
+                                    <m:t>−0.9−1.1+1+1</m:t>
                                   </m:r>
                                 </m:e>
                               </m:d>
@@ -18199,115 +17872,7 @@
                                       <a:ea typeface="DengXian" panose="02010600030101010101" pitchFamily="2" charset="-122"/>
                                       <a:cs typeface="Times New Roman" panose="02020603050405020304" pitchFamily="18" charset="0"/>
                                     </a:rPr>
-                                    <m:t>−</m:t>
-                                  </m:r>
-                                  <m:r>
-                                    <a:rPr lang="en-US" sz="1800" i="1">
-                                      <a:solidFill>
-                                        <a:schemeClr val="tx1"/>
-                                      </a:solidFill>
-                                      <a:effectLst/>
-                                      <a:latin typeface="Cambria Math" panose="02040503050406030204" pitchFamily="18" charset="0"/>
-                                      <a:ea typeface="DengXian" panose="02010600030101010101" pitchFamily="2" charset="-122"/>
-                                      <a:cs typeface="Times New Roman" panose="02020603050405020304" pitchFamily="18" charset="0"/>
-                                    </a:rPr>
-                                    <m:t>1</m:t>
-                                  </m:r>
-                                  <m:r>
-                                    <a:rPr lang="en-US" sz="1800" i="1">
-                                      <a:solidFill>
-                                        <a:schemeClr val="tx1"/>
-                                      </a:solidFill>
-                                      <a:effectLst/>
-                                      <a:latin typeface="Cambria Math" panose="02040503050406030204" pitchFamily="18" charset="0"/>
-                                      <a:ea typeface="DengXian" panose="02010600030101010101" pitchFamily="2" charset="-122"/>
-                                      <a:cs typeface="Times New Roman" panose="02020603050405020304" pitchFamily="18" charset="0"/>
-                                    </a:rPr>
-                                    <m:t>−</m:t>
-                                  </m:r>
-                                  <m:r>
-                                    <a:rPr lang="en-US" sz="1800" i="1">
-                                      <a:solidFill>
-                                        <a:schemeClr val="tx1"/>
-                                      </a:solidFill>
-                                      <a:effectLst/>
-                                      <a:latin typeface="Cambria Math" panose="02040503050406030204" pitchFamily="18" charset="0"/>
-                                      <a:ea typeface="DengXian" panose="02010600030101010101" pitchFamily="2" charset="-122"/>
-                                      <a:cs typeface="Times New Roman" panose="02020603050405020304" pitchFamily="18" charset="0"/>
-                                    </a:rPr>
-                                    <m:t>1</m:t>
-                                  </m:r>
-                                  <m:r>
-                                    <a:rPr lang="en-US" sz="1800" i="1">
-                                      <a:solidFill>
-                                        <a:schemeClr val="tx1"/>
-                                      </a:solidFill>
-                                      <a:effectLst/>
-                                      <a:latin typeface="Cambria Math" panose="02040503050406030204" pitchFamily="18" charset="0"/>
-                                      <a:ea typeface="DengXian" panose="02010600030101010101" pitchFamily="2" charset="-122"/>
-                                      <a:cs typeface="Times New Roman" panose="02020603050405020304" pitchFamily="18" charset="0"/>
-                                    </a:rPr>
-                                    <m:t>+</m:t>
-                                  </m:r>
-                                  <m:r>
-                                    <a:rPr lang="en-US" sz="1800" i="1">
-                                      <a:solidFill>
-                                        <a:schemeClr val="tx1"/>
-                                      </a:solidFill>
-                                      <a:effectLst/>
-                                      <a:latin typeface="Cambria Math" panose="02040503050406030204" pitchFamily="18" charset="0"/>
-                                      <a:ea typeface="DengXian" panose="02010600030101010101" pitchFamily="2" charset="-122"/>
-                                      <a:cs typeface="Times New Roman" panose="02020603050405020304" pitchFamily="18" charset="0"/>
-                                    </a:rPr>
-                                    <m:t>1</m:t>
-                                  </m:r>
-                                  <m:r>
-                                    <a:rPr lang="en-US" sz="1800" i="1">
-                                      <a:solidFill>
-                                        <a:schemeClr val="tx1"/>
-                                      </a:solidFill>
-                                      <a:effectLst/>
-                                      <a:latin typeface="Cambria Math" panose="02040503050406030204" pitchFamily="18" charset="0"/>
-                                      <a:ea typeface="DengXian" panose="02010600030101010101" pitchFamily="2" charset="-122"/>
-                                      <a:cs typeface="Times New Roman" panose="02020603050405020304" pitchFamily="18" charset="0"/>
-                                    </a:rPr>
-                                    <m:t>+</m:t>
-                                  </m:r>
-                                  <m:r>
-                                    <a:rPr lang="en-US" sz="1800" i="1">
-                                      <a:solidFill>
-                                        <a:schemeClr val="tx1"/>
-                                      </a:solidFill>
-                                      <a:effectLst/>
-                                      <a:latin typeface="Cambria Math" panose="02040503050406030204" pitchFamily="18" charset="0"/>
-                                      <a:ea typeface="DengXian" panose="02010600030101010101" pitchFamily="2" charset="-122"/>
-                                      <a:cs typeface="Times New Roman" panose="02020603050405020304" pitchFamily="18" charset="0"/>
-                                    </a:rPr>
-                                    <m:t>1</m:t>
-                                  </m:r>
-                                  <m:r>
-                                    <a:rPr lang="en-US" sz="1800" i="1">
-                                      <a:solidFill>
-                                        <a:schemeClr val="tx1"/>
-                                      </a:solidFill>
-                                      <a:effectLst/>
-                                      <a:latin typeface="Cambria Math" panose="02040503050406030204" pitchFamily="18" charset="0"/>
-                                      <a:ea typeface="DengXian" panose="02010600030101010101" pitchFamily="2" charset="-122"/>
-                                      <a:cs typeface="Times New Roman" panose="02020603050405020304" pitchFamily="18" charset="0"/>
-                                    </a:rPr>
-                                    <m:t>.</m:t>
-                                  </m:r>
-                                  <m:r>
-                                    <a:rPr lang="en-US" sz="1800" i="1">
-                                      <a:solidFill>
-                                        <a:schemeClr val="tx1"/>
-                                      </a:solidFill>
-                                      <a:effectLst/>
-                                      <a:latin typeface="Cambria Math" panose="02040503050406030204" pitchFamily="18" charset="0"/>
-                                      <a:ea typeface="DengXian" panose="02010600030101010101" pitchFamily="2" charset="-122"/>
-                                      <a:cs typeface="Times New Roman" panose="02020603050405020304" pitchFamily="18" charset="0"/>
-                                    </a:rPr>
-                                    <m:t>1</m:t>
+                                    <m:t>−1−1+1+1.1</m:t>
                                   </m:r>
                                 </m:e>
                               </m:d>
@@ -18325,31 +17890,7 @@
                           <a:ea typeface="DengXian" panose="02010600030101010101" pitchFamily="2" charset="-122"/>
                           <a:cs typeface="Times New Roman" panose="02020603050405020304" pitchFamily="18" charset="0"/>
                         </a:rPr>
-                        <m:t>=</m:t>
-                      </m:r>
-                      <m:r>
-                        <a:rPr lang="en-US" sz="1800" i="1">
-                          <a:solidFill>
-                            <a:schemeClr val="tx1"/>
-                          </a:solidFill>
-                          <a:effectLst/>
-                          <a:latin typeface="Cambria Math" panose="02040503050406030204" pitchFamily="18" charset="0"/>
-                          <a:ea typeface="DengXian" panose="02010600030101010101" pitchFamily="2" charset="-122"/>
-                          <a:cs typeface="Times New Roman" panose="02020603050405020304" pitchFamily="18" charset="0"/>
-                        </a:rPr>
-                        <m:t>100</m:t>
-                      </m:r>
-                      <m:r>
-                        <a:rPr lang="en-US" sz="1800" i="1">
-                          <a:solidFill>
-                            <a:schemeClr val="tx1"/>
-                          </a:solidFill>
-                          <a:effectLst/>
-                          <a:latin typeface="Cambria Math" panose="02040503050406030204" pitchFamily="18" charset="0"/>
-                          <a:ea typeface="DengXian" panose="02010600030101010101" pitchFamily="2" charset="-122"/>
-                          <a:cs typeface="Times New Roman" panose="02020603050405020304" pitchFamily="18" charset="0"/>
-                        </a:rPr>
-                        <m:t>%</m:t>
+                        <m:t>=100%</m:t>
                       </m:r>
                     </m:oMath>
                   </m:oMathPara>
@@ -18838,106 +18379,7 @@
                                       <a:latin typeface="Cambria Math" panose="02040503050406030204" pitchFamily="18" charset="0"/>
                                       <a:ea typeface="DengXian" panose="02010600030101010101" pitchFamily="2" charset="-122"/>
                                     </a:rPr>
-                                    <m:t>−</m:t>
-                                  </m:r>
-                                  <m:r>
-                                    <a:rPr lang="en-US" sz="1800" i="1">
-                                      <a:solidFill>
-                                        <a:schemeClr val="tx1"/>
-                                      </a:solidFill>
-                                      <a:effectLst/>
-                                      <a:latin typeface="Cambria Math" panose="02040503050406030204" pitchFamily="18" charset="0"/>
-                                      <a:ea typeface="DengXian" panose="02010600030101010101" pitchFamily="2" charset="-122"/>
-                                    </a:rPr>
-                                    <m:t>1</m:t>
-                                  </m:r>
-                                  <m:r>
-                                    <a:rPr lang="en-US" sz="1800" i="1">
-                                      <a:solidFill>
-                                        <a:schemeClr val="tx1"/>
-                                      </a:solidFill>
-                                      <a:effectLst/>
-                                      <a:latin typeface="Cambria Math" panose="02040503050406030204" pitchFamily="18" charset="0"/>
-                                      <a:ea typeface="DengXian" panose="02010600030101010101" pitchFamily="2" charset="-122"/>
-                                    </a:rPr>
-                                    <m:t>−</m:t>
-                                  </m:r>
-                                  <m:r>
-                                    <a:rPr lang="en-US" sz="1800" i="1">
-                                      <a:solidFill>
-                                        <a:schemeClr val="tx1"/>
-                                      </a:solidFill>
-                                      <a:effectLst/>
-                                      <a:latin typeface="Cambria Math" panose="02040503050406030204" pitchFamily="18" charset="0"/>
-                                      <a:ea typeface="DengXian" panose="02010600030101010101" pitchFamily="2" charset="-122"/>
-                                    </a:rPr>
-                                    <m:t>1</m:t>
-                                  </m:r>
-                                  <m:r>
-                                    <a:rPr lang="en-US" sz="1800" i="1">
-                                      <a:solidFill>
-                                        <a:schemeClr val="tx1"/>
-                                      </a:solidFill>
-                                      <a:effectLst/>
-                                      <a:latin typeface="Cambria Math" panose="02040503050406030204" pitchFamily="18" charset="0"/>
-                                      <a:ea typeface="DengXian" panose="02010600030101010101" pitchFamily="2" charset="-122"/>
-                                    </a:rPr>
-                                    <m:t>+</m:t>
-                                  </m:r>
-                                  <m:r>
-                                    <a:rPr lang="en-US" sz="1800" i="1">
-                                      <a:solidFill>
-                                        <a:schemeClr val="tx1"/>
-                                      </a:solidFill>
-                                      <a:effectLst/>
-                                      <a:latin typeface="Cambria Math" panose="02040503050406030204" pitchFamily="18" charset="0"/>
-                                      <a:ea typeface="DengXian" panose="02010600030101010101" pitchFamily="2" charset="-122"/>
-                                    </a:rPr>
-                                    <m:t>1</m:t>
-                                  </m:r>
-                                  <m:r>
-                                    <a:rPr lang="en-US" sz="1800" i="1">
-                                      <a:solidFill>
-                                        <a:schemeClr val="tx1"/>
-                                      </a:solidFill>
-                                      <a:effectLst/>
-                                      <a:latin typeface="Cambria Math" panose="02040503050406030204" pitchFamily="18" charset="0"/>
-                                      <a:ea typeface="DengXian" panose="02010600030101010101" pitchFamily="2" charset="-122"/>
-                                    </a:rPr>
-                                    <m:t>+</m:t>
-                                  </m:r>
-                                  <m:r>
-                                    <a:rPr lang="en-US" sz="1800" i="1">
-                                      <a:solidFill>
-                                        <a:schemeClr val="tx1"/>
-                                      </a:solidFill>
-                                      <a:effectLst/>
-                                      <a:latin typeface="Cambria Math" panose="02040503050406030204" pitchFamily="18" charset="0"/>
-                                      <a:ea typeface="DengXian" panose="02010600030101010101" pitchFamily="2" charset="-122"/>
-                                    </a:rPr>
-                                    <m:t>1</m:t>
-                                  </m:r>
-                                  <m:r>
-                                    <a:rPr lang="en-US" sz="1800" i="1">
-                                      <a:solidFill>
-                                        <a:schemeClr val="tx1"/>
-                                      </a:solidFill>
-                                      <a:effectLst/>
-                                      <a:latin typeface="Cambria Math" panose="02040503050406030204" pitchFamily="18" charset="0"/>
-                                      <a:ea typeface="DengXian" panose="02010600030101010101" pitchFamily="2" charset="-122"/>
-                                    </a:rPr>
-                                    <m:t>.</m:t>
-                                  </m:r>
-                                  <m:r>
-                                    <a:rPr lang="en-US" sz="1800" i="1">
-                                      <a:solidFill>
-                                        <a:schemeClr val="tx1"/>
-                                      </a:solidFill>
-                                      <a:effectLst/>
-                                      <a:latin typeface="Cambria Math" panose="02040503050406030204" pitchFamily="18" charset="0"/>
-                                      <a:ea typeface="DengXian" panose="02010600030101010101" pitchFamily="2" charset="-122"/>
-                                    </a:rPr>
-                                    <m:t>1</m:t>
+                                    <m:t>−1−1+1+1.1</m:t>
                                   </m:r>
                                 </m:e>
                               </m:d>
@@ -18974,128 +18416,7 @@
                                       <a:latin typeface="Cambria Math" panose="02040503050406030204" pitchFamily="18" charset="0"/>
                                       <a:ea typeface="DengXian" panose="02010600030101010101" pitchFamily="2" charset="-122"/>
                                     </a:rPr>
-                                    <m:t>−</m:t>
-                                  </m:r>
-                                  <m:r>
-                                    <a:rPr lang="en-US" sz="1800" i="1">
-                                      <a:solidFill>
-                                        <a:schemeClr val="tx1"/>
-                                      </a:solidFill>
-                                      <a:effectLst/>
-                                      <a:latin typeface="Cambria Math" panose="02040503050406030204" pitchFamily="18" charset="0"/>
-                                      <a:ea typeface="DengXian" panose="02010600030101010101" pitchFamily="2" charset="-122"/>
-                                    </a:rPr>
-                                    <m:t>0</m:t>
-                                  </m:r>
-                                  <m:r>
-                                    <a:rPr lang="en-US" sz="1800" i="1">
-                                      <a:solidFill>
-                                        <a:schemeClr val="tx1"/>
-                                      </a:solidFill>
-                                      <a:effectLst/>
-                                      <a:latin typeface="Cambria Math" panose="02040503050406030204" pitchFamily="18" charset="0"/>
-                                      <a:ea typeface="DengXian" panose="02010600030101010101" pitchFamily="2" charset="-122"/>
-                                    </a:rPr>
-                                    <m:t>.</m:t>
-                                  </m:r>
-                                  <m:r>
-                                    <a:rPr lang="en-US" sz="1800" i="1">
-                                      <a:solidFill>
-                                        <a:schemeClr val="tx1"/>
-                                      </a:solidFill>
-                                      <a:effectLst/>
-                                      <a:latin typeface="Cambria Math" panose="02040503050406030204" pitchFamily="18" charset="0"/>
-                                      <a:ea typeface="DengXian" panose="02010600030101010101" pitchFamily="2" charset="-122"/>
-                                    </a:rPr>
-                                    <m:t>9</m:t>
-                                  </m:r>
-                                  <m:r>
-                                    <a:rPr lang="en-US" sz="1800" i="1">
-                                      <a:solidFill>
-                                        <a:schemeClr val="tx1"/>
-                                      </a:solidFill>
-                                      <a:effectLst/>
-                                      <a:latin typeface="Cambria Math" panose="02040503050406030204" pitchFamily="18" charset="0"/>
-                                      <a:ea typeface="DengXian" panose="02010600030101010101" pitchFamily="2" charset="-122"/>
-                                    </a:rPr>
-                                    <m:t>−</m:t>
-                                  </m:r>
-                                  <m:r>
-                                    <a:rPr lang="en-US" sz="1800" i="1">
-                                      <a:solidFill>
-                                        <a:schemeClr val="tx1"/>
-                                      </a:solidFill>
-                                      <a:effectLst/>
-                                      <a:latin typeface="Cambria Math" panose="02040503050406030204" pitchFamily="18" charset="0"/>
-                                      <a:ea typeface="DengXian" panose="02010600030101010101" pitchFamily="2" charset="-122"/>
-                                    </a:rPr>
-                                    <m:t>1</m:t>
-                                  </m:r>
-                                  <m:r>
-                                    <a:rPr lang="en-US" sz="1800" i="1">
-                                      <a:solidFill>
-                                        <a:schemeClr val="tx1"/>
-                                      </a:solidFill>
-                                      <a:effectLst/>
-                                      <a:latin typeface="Cambria Math" panose="02040503050406030204" pitchFamily="18" charset="0"/>
-                                      <a:ea typeface="DengXian" panose="02010600030101010101" pitchFamily="2" charset="-122"/>
-                                    </a:rPr>
-                                    <m:t>.</m:t>
-                                  </m:r>
-                                  <m:r>
-                                    <a:rPr lang="en-US" sz="1800" i="1">
-                                      <a:solidFill>
-                                        <a:schemeClr val="tx1"/>
-                                      </a:solidFill>
-                                      <a:effectLst/>
-                                      <a:latin typeface="Cambria Math" panose="02040503050406030204" pitchFamily="18" charset="0"/>
-                                      <a:ea typeface="DengXian" panose="02010600030101010101" pitchFamily="2" charset="-122"/>
-                                    </a:rPr>
-                                    <m:t>1</m:t>
-                                  </m:r>
-                                  <m:r>
-                                    <a:rPr lang="en-US" sz="1800" i="1">
-                                      <a:solidFill>
-                                        <a:schemeClr val="tx1"/>
-                                      </a:solidFill>
-                                      <a:effectLst/>
-                                      <a:latin typeface="Cambria Math" panose="02040503050406030204" pitchFamily="18" charset="0"/>
-                                      <a:ea typeface="DengXian" panose="02010600030101010101" pitchFamily="2" charset="-122"/>
-                                    </a:rPr>
-                                    <m:t>+</m:t>
-                                  </m:r>
-                                  <m:r>
-                                    <a:rPr lang="en-US" sz="1800" i="1">
-                                      <a:solidFill>
-                                        <a:schemeClr val="tx1"/>
-                                      </a:solidFill>
-                                      <a:effectLst/>
-                                      <a:latin typeface="Cambria Math" panose="02040503050406030204" pitchFamily="18" charset="0"/>
-                                      <a:ea typeface="DengXian" panose="02010600030101010101" pitchFamily="2" charset="-122"/>
-                                    </a:rPr>
-                                    <m:t>1</m:t>
-                                  </m:r>
-                                  <m:r>
-                                    <a:rPr lang="en-US" sz="1800" i="1">
-                                      <a:solidFill>
-                                        <a:schemeClr val="tx1"/>
-                                      </a:solidFill>
-                                      <a:effectLst/>
-                                      <a:latin typeface="Cambria Math" panose="02040503050406030204" pitchFamily="18" charset="0"/>
-                                      <a:ea typeface="DengXian" panose="02010600030101010101" pitchFamily="2" charset="-122"/>
-                                    </a:rPr>
-                                    <m:t>+</m:t>
-                                  </m:r>
-                                  <m:r>
-                                    <a:rPr lang="en-US" sz="1800" i="1">
-                                      <a:solidFill>
-                                        <a:schemeClr val="tx1"/>
-                                      </a:solidFill>
-                                      <a:effectLst/>
-                                      <a:latin typeface="Cambria Math" panose="02040503050406030204" pitchFamily="18" charset="0"/>
-                                      <a:ea typeface="DengXian" panose="02010600030101010101" pitchFamily="2" charset="-122"/>
-                                    </a:rPr>
-                                    <m:t>1</m:t>
+                                    <m:t>−0.9−1.1+1+1</m:t>
                                   </m:r>
                                 </m:e>
                               </m:d>
@@ -19134,29 +18455,7 @@
                                       <a:latin typeface="Cambria Math" panose="02040503050406030204" pitchFamily="18" charset="0"/>
                                       <a:ea typeface="DengXian" panose="02010600030101010101" pitchFamily="2" charset="-122"/>
                                     </a:rPr>
-                                    <m:t>(−</m:t>
-                                  </m:r>
-                                  <m:r>
-                                    <a:rPr lang="en-US" sz="1800" i="1">
-                                      <a:solidFill>
-                                        <a:schemeClr val="tx1"/>
-                                      </a:solidFill>
-                                      <a:effectLst/>
-                                      <a:latin typeface="Cambria Math" panose="02040503050406030204" pitchFamily="18" charset="0"/>
-                                      <a:ea typeface="DengXian" panose="02010600030101010101" pitchFamily="2" charset="-122"/>
-                                    </a:rPr>
-                                    <m:t>1</m:t>
-                                  </m:r>
-                                  <m:r>
-                                    <a:rPr lang="en-US" sz="1800" i="1">
-                                      <a:solidFill>
-                                        <a:schemeClr val="tx1"/>
-                                      </a:solidFill>
-                                      <a:effectLst/>
-                                      <a:latin typeface="Cambria Math" panose="02040503050406030204" pitchFamily="18" charset="0"/>
-                                      <a:ea typeface="DengXian" panose="02010600030101010101" pitchFamily="2" charset="-122"/>
-                                    </a:rPr>
-                                    <m:t>)+</m:t>
+                                    <m:t>(−1)+</m:t>
                                   </m:r>
                                   <m:r>
                                     <a:rPr lang="en-US" sz="1800" i="1">
@@ -19178,29 +18477,7 @@
                                       <a:latin typeface="Cambria Math" panose="02040503050406030204" pitchFamily="18" charset="0"/>
                                       <a:ea typeface="DengXian" panose="02010600030101010101" pitchFamily="2" charset="-122"/>
                                     </a:rPr>
-                                    <m:t>(−</m:t>
-                                  </m:r>
-                                  <m:r>
-                                    <a:rPr lang="en-US" sz="1800" i="1">
-                                      <a:solidFill>
-                                        <a:schemeClr val="tx1"/>
-                                      </a:solidFill>
-                                      <a:effectLst/>
-                                      <a:latin typeface="Cambria Math" panose="02040503050406030204" pitchFamily="18" charset="0"/>
-                                      <a:ea typeface="DengXian" panose="02010600030101010101" pitchFamily="2" charset="-122"/>
-                                    </a:rPr>
-                                    <m:t>1</m:t>
-                                  </m:r>
-                                  <m:r>
-                                    <a:rPr lang="en-US" sz="1800" i="1">
-                                      <a:solidFill>
-                                        <a:schemeClr val="tx1"/>
-                                      </a:solidFill>
-                                      <a:effectLst/>
-                                      <a:latin typeface="Cambria Math" panose="02040503050406030204" pitchFamily="18" charset="0"/>
-                                      <a:ea typeface="DengXian" panose="02010600030101010101" pitchFamily="2" charset="-122"/>
-                                    </a:rPr>
-                                    <m:t>)+</m:t>
+                                    <m:t>(−1)+</m:t>
                                   </m:r>
                                   <m:r>
                                     <a:rPr lang="en-US" sz="1800" i="1">
@@ -19222,29 +18499,7 @@
                                       <a:latin typeface="Cambria Math" panose="02040503050406030204" pitchFamily="18" charset="0"/>
                                       <a:ea typeface="DengXian" panose="02010600030101010101" pitchFamily="2" charset="-122"/>
                                     </a:rPr>
-                                    <m:t>(</m:t>
-                                  </m:r>
-                                  <m:r>
-                                    <a:rPr lang="en-US" sz="1800" i="1">
-                                      <a:solidFill>
-                                        <a:schemeClr val="tx1"/>
-                                      </a:solidFill>
-                                      <a:effectLst/>
-                                      <a:latin typeface="Cambria Math" panose="02040503050406030204" pitchFamily="18" charset="0"/>
-                                      <a:ea typeface="DengXian" panose="02010600030101010101" pitchFamily="2" charset="-122"/>
-                                    </a:rPr>
-                                    <m:t>1</m:t>
-                                  </m:r>
-                                  <m:r>
-                                    <a:rPr lang="en-US" sz="1800" i="1">
-                                      <a:solidFill>
-                                        <a:schemeClr val="tx1"/>
-                                      </a:solidFill>
-                                      <a:effectLst/>
-                                      <a:latin typeface="Cambria Math" panose="02040503050406030204" pitchFamily="18" charset="0"/>
-                                      <a:ea typeface="DengXian" panose="02010600030101010101" pitchFamily="2" charset="-122"/>
-                                    </a:rPr>
-                                    <m:t>)+</m:t>
+                                    <m:t>(1)+</m:t>
                                   </m:r>
                                   <m:r>
                                     <a:rPr lang="en-US" sz="1800" i="1">
@@ -19266,51 +18521,7 @@
                                       <a:latin typeface="Cambria Math" panose="02040503050406030204" pitchFamily="18" charset="0"/>
                                       <a:ea typeface="DengXian" panose="02010600030101010101" pitchFamily="2" charset="-122"/>
                                     </a:rPr>
-                                    <m:t>(</m:t>
-                                  </m:r>
-                                  <m:r>
-                                    <a:rPr lang="en-US" sz="1800" i="1">
-                                      <a:solidFill>
-                                        <a:schemeClr val="tx1"/>
-                                      </a:solidFill>
-                                      <a:effectLst/>
-                                      <a:latin typeface="Cambria Math" panose="02040503050406030204" pitchFamily="18" charset="0"/>
-                                      <a:ea typeface="DengXian" panose="02010600030101010101" pitchFamily="2" charset="-122"/>
-                                    </a:rPr>
-                                    <m:t>1</m:t>
-                                  </m:r>
-                                  <m:r>
-                                    <a:rPr lang="en-US" sz="1800" i="1">
-                                      <a:solidFill>
-                                        <a:schemeClr val="tx1"/>
-                                      </a:solidFill>
-                                      <a:effectLst/>
-                                      <a:latin typeface="Cambria Math" panose="02040503050406030204" pitchFamily="18" charset="0"/>
-                                      <a:ea typeface="DengXian" panose="02010600030101010101" pitchFamily="2" charset="-122"/>
-                                    </a:rPr>
-                                    <m:t>.</m:t>
-                                  </m:r>
-                                  <m:r>
-                                    <a:rPr lang="en-US" sz="1800" i="1">
-                                      <a:solidFill>
-                                        <a:schemeClr val="tx1"/>
-                                      </a:solidFill>
-                                      <a:effectLst/>
-                                      <a:latin typeface="Cambria Math" panose="02040503050406030204" pitchFamily="18" charset="0"/>
-                                      <a:ea typeface="DengXian" panose="02010600030101010101" pitchFamily="2" charset="-122"/>
-                                    </a:rPr>
-                                    <m:t>1</m:t>
-                                  </m:r>
-                                  <m:r>
-                                    <a:rPr lang="en-US" sz="1800" i="1">
-                                      <a:solidFill>
-                                        <a:schemeClr val="tx1"/>
-                                      </a:solidFill>
-                                      <a:effectLst/>
-                                      <a:latin typeface="Cambria Math" panose="02040503050406030204" pitchFamily="18" charset="0"/>
-                                      <a:ea typeface="DengXian" panose="02010600030101010101" pitchFamily="2" charset="-122"/>
-                                    </a:rPr>
-                                    <m:t>)</m:t>
+                                    <m:t>(1.1)</m:t>
                                   </m:r>
                                 </m:e>
                               </m:d>
@@ -19327,51 +18538,7 @@
                           <a:latin typeface="Cambria Math" panose="02040503050406030204" pitchFamily="18" charset="0"/>
                           <a:ea typeface="DengXian" panose="02010600030101010101" pitchFamily="2" charset="-122"/>
                         </a:rPr>
-                        <m:t>=</m:t>
-                      </m:r>
-                      <m:r>
-                        <a:rPr lang="en-US" sz="1800" i="1">
-                          <a:solidFill>
-                            <a:schemeClr val="tx1"/>
-                          </a:solidFill>
-                          <a:effectLst/>
-                          <a:latin typeface="Cambria Math" panose="02040503050406030204" pitchFamily="18" charset="0"/>
-                          <a:ea typeface="DengXian" panose="02010600030101010101" pitchFamily="2" charset="-122"/>
-                        </a:rPr>
-                        <m:t>2</m:t>
-                      </m:r>
-                      <m:r>
-                        <a:rPr lang="en-US" sz="1800" i="1">
-                          <a:solidFill>
-                            <a:schemeClr val="tx1"/>
-                          </a:solidFill>
-                          <a:effectLst/>
-                          <a:latin typeface="Cambria Math" panose="02040503050406030204" pitchFamily="18" charset="0"/>
-                          <a:ea typeface="DengXian" panose="02010600030101010101" pitchFamily="2" charset="-122"/>
-                        </a:rPr>
-                        <m:t>.</m:t>
-                      </m:r>
-                      <m:r>
-                        <a:rPr lang="en-US" sz="1800" i="1">
-                          <a:solidFill>
-                            <a:schemeClr val="tx1"/>
-                          </a:solidFill>
-                          <a:effectLst/>
-                          <a:latin typeface="Cambria Math" panose="02040503050406030204" pitchFamily="18" charset="0"/>
-                          <a:ea typeface="DengXian" panose="02010600030101010101" pitchFamily="2" charset="-122"/>
-                        </a:rPr>
-                        <m:t>44</m:t>
-                      </m:r>
-                      <m:r>
-                        <a:rPr lang="en-US" sz="1800" i="1">
-                          <a:solidFill>
-                            <a:schemeClr val="tx1"/>
-                          </a:solidFill>
-                          <a:effectLst/>
-                          <a:latin typeface="Cambria Math" panose="02040503050406030204" pitchFamily="18" charset="0"/>
-                          <a:ea typeface="DengXian" panose="02010600030101010101" pitchFamily="2" charset="-122"/>
-                        </a:rPr>
-                        <m:t>%</m:t>
+                        <m:t>=2.44%</m:t>
                       </m:r>
                     </m:oMath>
                   </m:oMathPara>
@@ -20811,8 +19978,8 @@
           </a:p>
         </p:txBody>
       </p:sp>
-      <mc:AlternateContent xmlns:mc="http://schemas.openxmlformats.org/markup-compatibility/2006">
-        <mc:Choice xmlns:a14="http://schemas.microsoft.com/office/drawing/2010/main" Requires="a14">
+      <mc:AlternateContent xmlns:mc="http://schemas.openxmlformats.org/markup-compatibility/2006" xmlns:a14="http://schemas.microsoft.com/office/drawing/2010/main">
+        <mc:Choice Requires="a14">
           <p:sp>
             <p:nvSpPr>
               <p:cNvPr id="10" name="TextBox 9">
@@ -20902,7 +20069,7 @@
             </p:txBody>
           </p:sp>
         </mc:Choice>
-        <mc:Fallback>
+        <mc:Fallback xmlns="">
           <p:sp>
             <p:nvSpPr>
               <p:cNvPr id="10" name="TextBox 9">
@@ -20953,8 +20120,8 @@
           </p:sp>
         </mc:Fallback>
       </mc:AlternateContent>
-      <mc:AlternateContent xmlns:mc="http://schemas.openxmlformats.org/markup-compatibility/2006">
-        <mc:Choice xmlns:a14="http://schemas.microsoft.com/office/drawing/2010/main" Requires="a14">
+      <mc:AlternateContent xmlns:mc="http://schemas.openxmlformats.org/markup-compatibility/2006" xmlns:a14="http://schemas.microsoft.com/office/drawing/2010/main">
+        <mc:Choice Requires="a14">
           <p:sp>
             <p:nvSpPr>
               <p:cNvPr id="13" name="TextBox 12">
@@ -21044,7 +20211,7 @@
             </p:txBody>
           </p:sp>
         </mc:Choice>
-        <mc:Fallback>
+        <mc:Fallback xmlns="">
           <p:sp>
             <p:nvSpPr>
               <p:cNvPr id="13" name="TextBox 12">
@@ -21095,8 +20262,8 @@
           </p:sp>
         </mc:Fallback>
       </mc:AlternateContent>
-      <mc:AlternateContent xmlns:mc="http://schemas.openxmlformats.org/markup-compatibility/2006">
-        <mc:Choice xmlns:a14="http://schemas.microsoft.com/office/drawing/2010/main" Requires="a14">
+      <mc:AlternateContent xmlns:mc="http://schemas.openxmlformats.org/markup-compatibility/2006" xmlns:a14="http://schemas.microsoft.com/office/drawing/2010/main">
+        <mc:Choice Requires="a14">
           <p:sp>
             <p:nvSpPr>
               <p:cNvPr id="15" name="TextBox 14">
@@ -21161,7 +20328,7 @@
             </p:txBody>
           </p:sp>
         </mc:Choice>
-        <mc:Fallback>
+        <mc:Fallback xmlns="">
           <p:sp>
             <p:nvSpPr>
               <p:cNvPr id="15" name="TextBox 14">
@@ -21863,18 +21030,7 @@
                                   </a:solidFill>
                                   <a:latin typeface="Cambria Math" panose="02040503050406030204" pitchFamily="18" charset="0"/>
                                 </a:rPr>
-                                <m:t>+</m:t>
-                              </m:r>
-                              <m:r>
-                                <a:rPr lang="en-US" sz="1800" b="0" i="1" smtClean="0">
-                                  <a:solidFill>
-                                    <a:schemeClr val="accent1">
-                                      <a:lumMod val="75000"/>
-                                    </a:schemeClr>
-                                  </a:solidFill>
-                                  <a:latin typeface="Cambria Math" panose="02040503050406030204" pitchFamily="18" charset="0"/>
-                                </a:rPr>
-                                <m:t>1</m:t>
+                                <m:t>+1</m:t>
                               </m:r>
                             </m:e>
                           </m:d>
